--- a/ModernSwDev_Project1/React JS Framework.pptx
+++ b/ModernSwDev_Project1/React JS Framework.pptx
@@ -18,7 +18,12 @@
     <p:sldId id="266" r:id="rId12"/>
     <p:sldId id="267" r:id="rId13"/>
     <p:sldId id="268" r:id="rId14"/>
-    <p:sldId id="273" r:id="rId15"/>
+    <p:sldId id="274" r:id="rId15"/>
+    <p:sldId id="275" r:id="rId16"/>
+    <p:sldId id="276" r:id="rId17"/>
+    <p:sldId id="277" r:id="rId18"/>
+    <p:sldId id="278" r:id="rId19"/>
+    <p:sldId id="273" r:id="rId20"/>
   </p:sldIdLst>
   <p:sldSz cx="12192000" cy="6858000"/>
   <p:notesSz cx="6858000" cy="9144000"/>
@@ -827,7 +832,7 @@
           <a:p>
             <a:fld id="{EA0C0817-A112-4847-8014-A94B7D2A4EA3}" type="datetime1">
               <a:rPr lang="en-US" smtClean="0"/>
-              <a:t>11/1/2023</a:t>
+              <a:t>11/2/2023</a:t>
             </a:fld>
             <a:endParaRPr lang="en-US" dirty="0"/>
           </a:p>
@@ -1035,7 +1040,7 @@
           <a:p>
             <a:fld id="{134F40B7-36AB-4376-BE14-EF7004D79BB9}" type="datetime1">
               <a:rPr lang="en-US" smtClean="0"/>
-              <a:t>11/1/2023</a:t>
+              <a:t>11/2/2023</a:t>
             </a:fld>
             <a:endParaRPr lang="en-US"/>
           </a:p>
@@ -1291,7 +1296,7 @@
           <a:p>
             <a:fld id="{FF87CAB8-DCAE-46A5-AADA-B3FAD11A54E0}" type="datetime1">
               <a:rPr lang="en-US" smtClean="0"/>
-              <a:t>11/1/2023</a:t>
+              <a:t>11/2/2023</a:t>
             </a:fld>
             <a:endParaRPr lang="en-US"/>
           </a:p>
@@ -1465,7 +1470,7 @@
           <a:p>
             <a:fld id="{7332B432-ACDA-4023-A761-2BAB76577B62}" type="datetime1">
               <a:rPr lang="en-US" smtClean="0"/>
-              <a:t>11/1/2023</a:t>
+              <a:t>11/2/2023</a:t>
             </a:fld>
             <a:endParaRPr lang="en-US"/>
           </a:p>
@@ -1808,7 +1813,7 @@
           <a:p>
             <a:fld id="{D9C646AA-F36E-4540-911D-FFFC0A0EF24A}" type="datetime1">
               <a:rPr lang="en-US" smtClean="0"/>
-              <a:t>11/1/2023</a:t>
+              <a:t>11/2/2023</a:t>
             </a:fld>
             <a:endParaRPr lang="en-US" dirty="0"/>
           </a:p>
@@ -2083,7 +2088,7 @@
           <a:p>
             <a:fld id="{69186D26-FA5F-4637-B602-B7C2DC34CFD4}" type="datetime1">
               <a:rPr lang="en-US" smtClean="0"/>
-              <a:t>11/1/2023</a:t>
+              <a:t>11/2/2023</a:t>
             </a:fld>
             <a:endParaRPr lang="en-US"/>
           </a:p>
@@ -2462,7 +2467,7 @@
           <a:p>
             <a:fld id="{8A7F15D8-96D1-4781-BC50-CA8A088B2FE4}" type="datetime1">
               <a:rPr lang="en-US" smtClean="0"/>
-              <a:t>11/1/2023</a:t>
+              <a:t>11/2/2023</a:t>
             </a:fld>
             <a:endParaRPr lang="en-US"/>
           </a:p>
@@ -2580,7 +2585,7 @@
           <a:p>
             <a:fld id="{F9A96C99-B8F8-4528-BD05-0E16E943DC09}" type="datetime1">
               <a:rPr lang="en-US" smtClean="0"/>
-              <a:t>11/1/2023</a:t>
+              <a:t>11/2/2023</a:t>
             </a:fld>
             <a:endParaRPr lang="en-US"/>
           </a:p>
@@ -2751,7 +2756,7 @@
           <a:p>
             <a:fld id="{03636942-C211-4B28-8DBD-C953E00AF71B}" type="datetime1">
               <a:rPr lang="en-US" smtClean="0"/>
-              <a:t>11/1/2023</a:t>
+              <a:t>11/2/2023</a:t>
             </a:fld>
             <a:endParaRPr lang="en-US"/>
           </a:p>
@@ -3105,7 +3110,7 @@
           <a:p>
             <a:fld id="{7E8D12A6-918A-48BD-8CB9-CA713993B0EA}" type="datetime1">
               <a:rPr lang="en-US" smtClean="0"/>
-              <a:t>11/1/2023</a:t>
+              <a:t>11/2/2023</a:t>
             </a:fld>
             <a:endParaRPr lang="en-US"/>
           </a:p>
@@ -3488,7 +3493,7 @@
             <a:fld id="{E778CE86-875F-4587-BCF6-FA054AFC0D53}" type="datetime1">
               <a:rPr lang="en-US" smtClean="0"/>
               <a:pPr/>
-              <a:t>11/1/2023</a:t>
+              <a:t>11/2/2023</a:t>
             </a:fld>
             <a:endParaRPr lang="en-US" dirty="0"/>
           </a:p>
@@ -3776,7 +3781,7 @@
           <a:p>
             <a:fld id="{F6FA2B21-3FCD-4721-B95C-427943F61125}" type="datetime1">
               <a:rPr lang="en-US" smtClean="0"/>
-              <a:t>11/1/2023</a:t>
+              <a:t>11/2/2023</a:t>
             </a:fld>
             <a:endParaRPr lang="en-US"/>
           </a:p>
@@ -5880,6 +5885,3701 @@
   <p:cSld>
     <p:bg>
       <p:bgPr>
+        <a:gradFill rotWithShape="1">
+          <a:gsLst>
+            <a:gs pos="0">
+              <a:schemeClr val="bg1">
+                <a:tint val="96000"/>
+                <a:shade val="99000"/>
+                <a:satMod val="140000"/>
+              </a:schemeClr>
+            </a:gs>
+            <a:gs pos="65000">
+              <a:schemeClr val="bg1">
+                <a:tint val="100000"/>
+                <a:shade val="80000"/>
+                <a:satMod val="130000"/>
+              </a:schemeClr>
+            </a:gs>
+            <a:gs pos="100000">
+              <a:schemeClr val="bg1">
+                <a:tint val="100000"/>
+                <a:shade val="48000"/>
+                <a:satMod val="120000"/>
+              </a:schemeClr>
+            </a:gs>
+          </a:gsLst>
+          <a:lin ang="16200000" scaled="0"/>
+        </a:gradFill>
+        <a:effectLst/>
+      </p:bgPr>
+    </p:bg>
+    <p:spTree>
+      <p:nvGrpSpPr>
+        <p:cNvPr id="1" name=""/>
+        <p:cNvGrpSpPr/>
+        <p:nvPr/>
+      </p:nvGrpSpPr>
+      <p:grpSpPr>
+        <a:xfrm>
+          <a:off x="0" y="0"/>
+          <a:ext cx="0" cy="0"/>
+          <a:chOff x="0" y="0"/>
+          <a:chExt cx="0" cy="0"/>
+        </a:xfrm>
+      </p:grpSpPr>
+      <p:sp>
+        <p:nvSpPr>
+          <p:cNvPr id="9" name="Rectangle 8">
+            <a:extLst>
+              <a:ext uri="{FF2B5EF4-FFF2-40B4-BE49-F238E27FC236}">
+                <a16:creationId xmlns:a16="http://schemas.microsoft.com/office/drawing/2014/main" id="{25C8D2C1-DA83-420D-9635-D52CE066B5DA}"/>
+              </a:ext>
+              <a:ext uri="{C183D7F6-B498-43B3-948B-1728B52AA6E4}">
+                <adec:decorative xmlns:adec="http://schemas.microsoft.com/office/drawing/2017/decorative" val="1"/>
+              </a:ext>
+            </a:extLst>
+          </p:cNvPr>
+          <p:cNvSpPr>
+            <a:spLocks noGrp="1" noRot="1" noChangeAspect="1" noMove="1" noResize="1" noEditPoints="1" noAdjustHandles="1" noChangeArrowheads="1" noChangeShapeType="1" noTextEdit="1"/>
+          </p:cNvSpPr>
+          <p:nvPr>
+            <p:extLst>
+              <p:ext uri="{386F3935-93C4-4BCD-93E2-E3B085C9AB24}">
+                <p16:designElem xmlns:p16="http://schemas.microsoft.com/office/powerpoint/2015/main" val="1"/>
+              </p:ext>
+            </p:extLst>
+          </p:nvPr>
+        </p:nvSpPr>
+        <p:spPr>
+          <a:xfrm>
+            <a:off x="3175" y="6400800"/>
+            <a:ext cx="12188825" cy="457200"/>
+          </a:xfrm>
+          <a:prstGeom prst="rect">
+            <a:avLst/>
+          </a:prstGeom>
+          <a:solidFill>
+            <a:schemeClr val="accent2"/>
+          </a:solidFill>
+          <a:ln>
+            <a:noFill/>
+          </a:ln>
+        </p:spPr>
+        <p:style>
+          <a:lnRef idx="2">
+            <a:schemeClr val="accent1">
+              <a:shade val="50000"/>
+            </a:schemeClr>
+          </a:lnRef>
+          <a:fillRef idx="1">
+            <a:schemeClr val="accent1"/>
+          </a:fillRef>
+          <a:effectRef idx="0">
+            <a:schemeClr val="accent1"/>
+          </a:effectRef>
+          <a:fontRef idx="minor">
+            <a:schemeClr val="lt1"/>
+          </a:fontRef>
+        </p:style>
+      </p:sp>
+      <p:sp>
+        <p:nvSpPr>
+          <p:cNvPr id="11" name="Rectangle 10">
+            <a:extLst>
+              <a:ext uri="{FF2B5EF4-FFF2-40B4-BE49-F238E27FC236}">
+                <a16:creationId xmlns:a16="http://schemas.microsoft.com/office/drawing/2014/main" id="{434F74C9-6A0B-409E-AD1C-45B58BE91BB8}"/>
+              </a:ext>
+              <a:ext uri="{C183D7F6-B498-43B3-948B-1728B52AA6E4}">
+                <adec:decorative xmlns:adec="http://schemas.microsoft.com/office/drawing/2017/decorative" val="1"/>
+              </a:ext>
+            </a:extLst>
+          </p:cNvPr>
+          <p:cNvSpPr>
+            <a:spLocks noGrp="1" noRot="1" noChangeAspect="1" noMove="1" noResize="1" noEditPoints="1" noAdjustHandles="1" noChangeArrowheads="1" noChangeShapeType="1" noTextEdit="1"/>
+          </p:cNvSpPr>
+          <p:nvPr>
+            <p:extLst>
+              <p:ext uri="{386F3935-93C4-4BCD-93E2-E3B085C9AB24}">
+                <p16:designElem xmlns:p16="http://schemas.microsoft.com/office/powerpoint/2015/main" val="1"/>
+              </p:ext>
+            </p:extLst>
+          </p:nvPr>
+        </p:nvSpPr>
+        <p:spPr>
+          <a:xfrm>
+            <a:off x="15" y="6334316"/>
+            <a:ext cx="12188825" cy="64008"/>
+          </a:xfrm>
+          <a:prstGeom prst="rect">
+            <a:avLst/>
+          </a:prstGeom>
+          <a:solidFill>
+            <a:schemeClr val="accent1"/>
+          </a:solidFill>
+          <a:ln>
+            <a:noFill/>
+          </a:ln>
+        </p:spPr>
+        <p:style>
+          <a:lnRef idx="2">
+            <a:schemeClr val="accent1">
+              <a:shade val="50000"/>
+            </a:schemeClr>
+          </a:lnRef>
+          <a:fillRef idx="1">
+            <a:schemeClr val="accent1"/>
+          </a:fillRef>
+          <a:effectRef idx="0">
+            <a:schemeClr val="accent1"/>
+          </a:effectRef>
+          <a:fontRef idx="minor">
+            <a:schemeClr val="lt1"/>
+          </a:fontRef>
+        </p:style>
+      </p:sp>
+      <p:cxnSp>
+        <p:nvCxnSpPr>
+          <p:cNvPr id="13" name="Straight Connector 12">
+            <a:extLst>
+              <a:ext uri="{FF2B5EF4-FFF2-40B4-BE49-F238E27FC236}">
+                <a16:creationId xmlns:a16="http://schemas.microsoft.com/office/drawing/2014/main" id="{F5486A9D-1265-4B57-91E6-68E666B978BC}"/>
+              </a:ext>
+              <a:ext uri="{C183D7F6-B498-43B3-948B-1728B52AA6E4}">
+                <adec:decorative xmlns:adec="http://schemas.microsoft.com/office/drawing/2017/decorative" val="1"/>
+              </a:ext>
+            </a:extLst>
+          </p:cNvPr>
+          <p:cNvCxnSpPr>
+            <a:cxnSpLocks noGrp="1" noRot="1" noChangeAspect="1" noMove="1" noResize="1" noEditPoints="1" noAdjustHandles="1" noChangeArrowheads="1" noChangeShapeType="1"/>
+          </p:cNvCxnSpPr>
+          <p:nvPr>
+            <p:extLst>
+              <p:ext uri="{386F3935-93C4-4BCD-93E2-E3B085C9AB24}">
+                <p16:designElem xmlns:p16="http://schemas.microsoft.com/office/powerpoint/2015/main" val="1"/>
+              </p:ext>
+            </p:extLst>
+          </p:nvPr>
+        </p:nvCxnSpPr>
+        <p:spPr>
+          <a:xfrm>
+            <a:off x="1207658" y="4343400"/>
+            <a:ext cx="9875520" cy="0"/>
+          </a:xfrm>
+          <a:prstGeom prst="line">
+            <a:avLst/>
+          </a:prstGeom>
+          <a:ln w="6350">
+            <a:solidFill>
+              <a:schemeClr val="tx1">
+                <a:lumMod val="50000"/>
+                <a:lumOff val="50000"/>
+              </a:schemeClr>
+            </a:solidFill>
+          </a:ln>
+        </p:spPr>
+        <p:style>
+          <a:lnRef idx="1">
+            <a:schemeClr val="accent1"/>
+          </a:lnRef>
+          <a:fillRef idx="0">
+            <a:schemeClr val="accent1"/>
+          </a:fillRef>
+          <a:effectRef idx="0">
+            <a:schemeClr val="accent1"/>
+          </a:effectRef>
+          <a:fontRef idx="minor">
+            <a:schemeClr val="tx1"/>
+          </a:fontRef>
+        </p:style>
+      </p:cxnSp>
+      <p:pic>
+        <p:nvPicPr>
+          <p:cNvPr id="5" name="Picture 4" descr="Computer script on a screen">
+            <a:extLst>
+              <a:ext uri="{FF2B5EF4-FFF2-40B4-BE49-F238E27FC236}">
+                <a16:creationId xmlns:a16="http://schemas.microsoft.com/office/drawing/2014/main" id="{AE62CE20-C5B4-5631-1CD0-CACA56A2F412}"/>
+              </a:ext>
+            </a:extLst>
+          </p:cNvPr>
+          <p:cNvPicPr>
+            <a:picLocks noChangeAspect="1"/>
+          </p:cNvPicPr>
+          <p:nvPr/>
+        </p:nvPicPr>
+        <p:blipFill rotWithShape="1">
+          <a:blip r:embed="rId2">
+            <a:alphaModFix amt="35000"/>
+          </a:blip>
+          <a:srcRect t="5981" b="9750"/>
+          <a:stretch/>
+        </p:blipFill>
+        <p:spPr>
+          <a:xfrm>
+            <a:off x="20" y="10"/>
+            <a:ext cx="12191980" cy="6857990"/>
+          </a:xfrm>
+          <a:prstGeom prst="rect">
+            <a:avLst/>
+          </a:prstGeom>
+        </p:spPr>
+      </p:pic>
+      <p:sp>
+        <p:nvSpPr>
+          <p:cNvPr id="2" name="Title 1">
+            <a:extLst>
+              <a:ext uri="{FF2B5EF4-FFF2-40B4-BE49-F238E27FC236}">
+                <a16:creationId xmlns:a16="http://schemas.microsoft.com/office/drawing/2014/main" id="{3E5630B3-47C6-3515-2FEA-23DA830A9B48}"/>
+              </a:ext>
+            </a:extLst>
+          </p:cNvPr>
+          <p:cNvSpPr>
+            <a:spLocks noGrp="1"/>
+          </p:cNvSpPr>
+          <p:nvPr>
+            <p:ph type="title"/>
+          </p:nvPr>
+        </p:nvSpPr>
+        <p:spPr>
+          <a:xfrm>
+            <a:off x="1097280" y="758952"/>
+            <a:ext cx="10058400" cy="3566160"/>
+          </a:xfrm>
+        </p:spPr>
+        <p:txBody>
+          <a:bodyPr vert="horz" lIns="91440" tIns="45720" rIns="91440" bIns="45720" rtlCol="0" anchor="b">
+            <a:normAutofit/>
+          </a:bodyPr>
+          <a:lstStyle/>
+          <a:p>
+            <a:r>
+              <a:rPr lang="en-US" sz="8000">
+                <a:solidFill>
+                  <a:srgbClr val="FFFFFF"/>
+                </a:solidFill>
+              </a:rPr>
+              <a:t>Demo App</a:t>
+            </a:r>
+          </a:p>
+        </p:txBody>
+      </p:sp>
+      <p:cxnSp>
+        <p:nvCxnSpPr>
+          <p:cNvPr id="15" name="Straight Connector 14">
+            <a:extLst>
+              <a:ext uri="{FF2B5EF4-FFF2-40B4-BE49-F238E27FC236}">
+                <a16:creationId xmlns:a16="http://schemas.microsoft.com/office/drawing/2014/main" id="{4071767D-5FF7-4508-B8B7-BB60FF3AB250}"/>
+              </a:ext>
+              <a:ext uri="{C183D7F6-B498-43B3-948B-1728B52AA6E4}">
+                <adec:decorative xmlns:adec="http://schemas.microsoft.com/office/drawing/2017/decorative" val="1"/>
+              </a:ext>
+            </a:extLst>
+          </p:cNvPr>
+          <p:cNvCxnSpPr>
+            <a:cxnSpLocks noGrp="1" noRot="1" noChangeAspect="1" noMove="1" noResize="1" noEditPoints="1" noAdjustHandles="1" noChangeArrowheads="1" noChangeShapeType="1"/>
+          </p:cNvCxnSpPr>
+          <p:nvPr>
+            <p:extLst>
+              <p:ext uri="{386F3935-93C4-4BCD-93E2-E3B085C9AB24}">
+                <p16:designElem xmlns:p16="http://schemas.microsoft.com/office/powerpoint/2015/main" val="1"/>
+              </p:ext>
+            </p:extLst>
+          </p:nvPr>
+        </p:nvCxnSpPr>
+        <p:spPr>
+          <a:xfrm>
+            <a:off x="1207658" y="4343400"/>
+            <a:ext cx="9875520" cy="0"/>
+          </a:xfrm>
+          <a:prstGeom prst="line">
+            <a:avLst/>
+          </a:prstGeom>
+          <a:ln w="6350">
+            <a:solidFill>
+              <a:schemeClr val="tx1">
+                <a:alpha val="80000"/>
+              </a:schemeClr>
+            </a:solidFill>
+          </a:ln>
+        </p:spPr>
+        <p:style>
+          <a:lnRef idx="1">
+            <a:schemeClr val="accent1"/>
+          </a:lnRef>
+          <a:fillRef idx="0">
+            <a:schemeClr val="accent1"/>
+          </a:fillRef>
+          <a:effectRef idx="0">
+            <a:schemeClr val="accent1"/>
+          </a:effectRef>
+          <a:fontRef idx="minor">
+            <a:schemeClr val="tx1"/>
+          </a:fontRef>
+        </p:style>
+      </p:cxnSp>
+      <p:sp>
+        <p:nvSpPr>
+          <p:cNvPr id="17" name="Rectangle 16">
+            <a:extLst>
+              <a:ext uri="{FF2B5EF4-FFF2-40B4-BE49-F238E27FC236}">
+                <a16:creationId xmlns:a16="http://schemas.microsoft.com/office/drawing/2014/main" id="{C4E89C94-E462-4566-A15A-32835FD68BCD}"/>
+              </a:ext>
+              <a:ext uri="{C183D7F6-B498-43B3-948B-1728B52AA6E4}">
+                <adec:decorative xmlns:adec="http://schemas.microsoft.com/office/drawing/2017/decorative" val="1"/>
+              </a:ext>
+            </a:extLst>
+          </p:cNvPr>
+          <p:cNvSpPr>
+            <a:spLocks noGrp="1" noRot="1" noChangeAspect="1" noMove="1" noResize="1" noEditPoints="1" noAdjustHandles="1" noChangeArrowheads="1" noChangeShapeType="1" noTextEdit="1"/>
+          </p:cNvSpPr>
+          <p:nvPr>
+            <p:extLst>
+              <p:ext uri="{386F3935-93C4-4BCD-93E2-E3B085C9AB24}">
+                <p16:designElem xmlns:p16="http://schemas.microsoft.com/office/powerpoint/2015/main" val="1"/>
+              </p:ext>
+            </p:extLst>
+          </p:nvPr>
+        </p:nvSpPr>
+        <p:spPr>
+          <a:xfrm>
+            <a:off x="15" y="6334316"/>
+            <a:ext cx="12191985" cy="66484"/>
+          </a:xfrm>
+          <a:prstGeom prst="rect">
+            <a:avLst/>
+          </a:prstGeom>
+          <a:solidFill>
+            <a:schemeClr val="accent1"/>
+          </a:solidFill>
+          <a:ln>
+            <a:noFill/>
+          </a:ln>
+        </p:spPr>
+        <p:style>
+          <a:lnRef idx="2">
+            <a:schemeClr val="accent1">
+              <a:shade val="50000"/>
+            </a:schemeClr>
+          </a:lnRef>
+          <a:fillRef idx="1">
+            <a:schemeClr val="accent1"/>
+          </a:fillRef>
+          <a:effectRef idx="0">
+            <a:schemeClr val="accent1"/>
+          </a:effectRef>
+          <a:fontRef idx="minor">
+            <a:schemeClr val="lt1"/>
+          </a:fontRef>
+        </p:style>
+      </p:sp>
+      <p:sp>
+        <p:nvSpPr>
+          <p:cNvPr id="19" name="Rectangle 18">
+            <a:extLst>
+              <a:ext uri="{FF2B5EF4-FFF2-40B4-BE49-F238E27FC236}">
+                <a16:creationId xmlns:a16="http://schemas.microsoft.com/office/drawing/2014/main" id="{E25F4A20-71FB-4A26-92E2-89DED49264CA}"/>
+              </a:ext>
+              <a:ext uri="{C183D7F6-B498-43B3-948B-1728B52AA6E4}">
+                <adec:decorative xmlns:adec="http://schemas.microsoft.com/office/drawing/2017/decorative" val="1"/>
+              </a:ext>
+            </a:extLst>
+          </p:cNvPr>
+          <p:cNvSpPr>
+            <a:spLocks noGrp="1" noRot="1" noChangeAspect="1" noMove="1" noResize="1" noEditPoints="1" noAdjustHandles="1" noChangeArrowheads="1" noChangeShapeType="1" noTextEdit="1"/>
+          </p:cNvSpPr>
+          <p:nvPr>
+            <p:extLst>
+              <p:ext uri="{386F3935-93C4-4BCD-93E2-E3B085C9AB24}">
+                <p16:designElem xmlns:p16="http://schemas.microsoft.com/office/powerpoint/2015/main" val="1"/>
+              </p:ext>
+            </p:extLst>
+          </p:nvPr>
+        </p:nvSpPr>
+        <p:spPr>
+          <a:xfrm>
+            <a:off x="1" y="6400800"/>
+            <a:ext cx="12192000" cy="457200"/>
+          </a:xfrm>
+          <a:prstGeom prst="rect">
+            <a:avLst/>
+          </a:prstGeom>
+          <a:solidFill>
+            <a:schemeClr val="accent2"/>
+          </a:solidFill>
+          <a:ln>
+            <a:noFill/>
+          </a:ln>
+        </p:spPr>
+        <p:style>
+          <a:lnRef idx="2">
+            <a:schemeClr val="accent1">
+              <a:shade val="50000"/>
+            </a:schemeClr>
+          </a:lnRef>
+          <a:fillRef idx="1">
+            <a:schemeClr val="accent1"/>
+          </a:fillRef>
+          <a:effectRef idx="0">
+            <a:schemeClr val="accent1"/>
+          </a:effectRef>
+          <a:fontRef idx="minor">
+            <a:schemeClr val="lt1"/>
+          </a:fontRef>
+        </p:style>
+      </p:sp>
+    </p:spTree>
+    <p:extLst>
+      <p:ext uri="{BB962C8B-B14F-4D97-AF65-F5344CB8AC3E}">
+        <p14:creationId xmlns:p14="http://schemas.microsoft.com/office/powerpoint/2010/main" val="2021111797"/>
+      </p:ext>
+    </p:extLst>
+  </p:cSld>
+  <p:clrMapOvr>
+    <a:overrideClrMapping bg1="dk1" tx1="lt1" bg2="dk2" tx2="lt2" accent1="accent1" accent2="accent2" accent3="accent3" accent4="accent4" accent5="accent5" accent6="accent6" hlink="hlink" folHlink="folHlink"/>
+  </p:clrMapOvr>
+</p:sld>
+</file>
+
+<file path=ppt/slides/slide15.xml><?xml version="1.0" encoding="utf-8"?>
+<p:sld xmlns:a="http://schemas.openxmlformats.org/drawingml/2006/main" xmlns:r="http://schemas.openxmlformats.org/officeDocument/2006/relationships" xmlns:p="http://schemas.openxmlformats.org/presentationml/2006/main">
+  <p:cSld>
+    <p:bg>
+      <p:bgPr>
+        <a:noFill/>
+        <a:effectLst/>
+      </p:bgPr>
+    </p:bg>
+    <p:spTree>
+      <p:nvGrpSpPr>
+        <p:cNvPr id="1" name=""/>
+        <p:cNvGrpSpPr/>
+        <p:nvPr/>
+      </p:nvGrpSpPr>
+      <p:grpSpPr>
+        <a:xfrm>
+          <a:off x="0" y="0"/>
+          <a:ext cx="0" cy="0"/>
+          <a:chOff x="0" y="0"/>
+          <a:chExt cx="0" cy="0"/>
+        </a:xfrm>
+      </p:grpSpPr>
+      <p:sp>
+        <p:nvSpPr>
+          <p:cNvPr id="2" name="Title 1">
+            <a:extLst>
+              <a:ext uri="{FF2B5EF4-FFF2-40B4-BE49-F238E27FC236}">
+                <a16:creationId xmlns:a16="http://schemas.microsoft.com/office/drawing/2014/main" id="{BF15BE27-B536-1E0A-1579-851E038297E8}"/>
+              </a:ext>
+            </a:extLst>
+          </p:cNvPr>
+          <p:cNvSpPr>
+            <a:spLocks noGrp="1"/>
+          </p:cNvSpPr>
+          <p:nvPr>
+            <p:ph type="title"/>
+          </p:nvPr>
+        </p:nvSpPr>
+        <p:spPr/>
+        <p:txBody>
+          <a:bodyPr/>
+          <a:lstStyle/>
+          <a:p>
+            <a:r>
+              <a:rPr lang="en-IN" b="1" i="0" dirty="0">
+                <a:effectLst/>
+                <a:latin typeface="Söhne"/>
+              </a:rPr>
+              <a:t>Set Up Development Environment</a:t>
+            </a:r>
+            <a:endParaRPr lang="en-IN" dirty="0"/>
+          </a:p>
+        </p:txBody>
+      </p:sp>
+      <p:sp>
+        <p:nvSpPr>
+          <p:cNvPr id="8" name="Rectangle 6">
+            <a:extLst>
+              <a:ext uri="{FF2B5EF4-FFF2-40B4-BE49-F238E27FC236}">
+                <a16:creationId xmlns:a16="http://schemas.microsoft.com/office/drawing/2014/main" id="{D221F12B-C3CD-20B5-F942-CE04303BB24C}"/>
+              </a:ext>
+            </a:extLst>
+          </p:cNvPr>
+          <p:cNvSpPr>
+            <a:spLocks noGrp="1" noChangeArrowheads="1"/>
+          </p:cNvSpPr>
+          <p:nvPr>
+            <p:ph idx="1"/>
+          </p:nvPr>
+        </p:nvSpPr>
+        <p:spPr bwMode="auto">
+          <a:xfrm>
+            <a:off x="1242135" y="2190307"/>
+            <a:ext cx="7909538" cy="3354765"/>
+          </a:xfrm>
+          <a:prstGeom prst="rect">
+            <a:avLst/>
+          </a:prstGeom>
+          <a:solidFill>
+            <a:srgbClr val="F7F7F8"/>
+          </a:solidFill>
+          <a:ln>
+            <a:noFill/>
+          </a:ln>
+          <a:effectLst/>
+          <a:extLst>
+            <a:ext uri="{91240B29-F687-4F45-9708-019B960494DF}">
+              <a14:hiddenLine xmlns:a14="http://schemas.microsoft.com/office/drawing/2010/main" w="9525">
+                <a:solidFill>
+                  <a:schemeClr val="tx1"/>
+                </a:solidFill>
+                <a:miter lim="800000"/>
+                <a:headEnd/>
+                <a:tailEnd/>
+              </a14:hiddenLine>
+            </a:ext>
+            <a:ext uri="{AF507438-7753-43E0-B8FC-AC1667EBCBE1}">
+              <a14:hiddenEffects xmlns:a14="http://schemas.microsoft.com/office/drawing/2010/main">
+                <a:effectLst>
+                  <a:outerShdw dist="35921" dir="2700000" algn="ctr" rotWithShape="0">
+                    <a:schemeClr val="bg2"/>
+                  </a:outerShdw>
+                </a:effectLst>
+              </a14:hiddenEffects>
+            </a:ext>
+          </a:extLst>
+        </p:spPr>
+        <p:txBody>
+          <a:bodyPr vert="horz" wrap="none" lIns="0" tIns="0" rIns="0" bIns="0" numCol="1" anchor="ctr" anchorCtr="0" compatLnSpc="1">
+            <a:prstTxWarp prst="textNoShape">
+              <a:avLst/>
+            </a:prstTxWarp>
+            <a:spAutoFit/>
+          </a:bodyPr>
+          <a:lstStyle>
+            <a:lvl1pPr eaLnBrk="0" fontAlgn="base" hangingPunct="0">
+              <a:spcBef>
+                <a:spcPct val="0"/>
+              </a:spcBef>
+              <a:spcAft>
+                <a:spcPct val="0"/>
+              </a:spcAft>
+              <a:defRPr>
+                <a:solidFill>
+                  <a:schemeClr val="tx1"/>
+                </a:solidFill>
+                <a:latin typeface="Arial" panose="020B0604020202020204" pitchFamily="34" charset="0"/>
+              </a:defRPr>
+            </a:lvl1pPr>
+            <a:lvl2pPr eaLnBrk="0" fontAlgn="base" hangingPunct="0">
+              <a:spcBef>
+                <a:spcPct val="0"/>
+              </a:spcBef>
+              <a:spcAft>
+                <a:spcPct val="0"/>
+              </a:spcAft>
+              <a:defRPr>
+                <a:solidFill>
+                  <a:schemeClr val="tx1"/>
+                </a:solidFill>
+                <a:latin typeface="Arial" panose="020B0604020202020204" pitchFamily="34" charset="0"/>
+              </a:defRPr>
+            </a:lvl2pPr>
+            <a:lvl3pPr eaLnBrk="0" fontAlgn="base" hangingPunct="0">
+              <a:spcBef>
+                <a:spcPct val="0"/>
+              </a:spcBef>
+              <a:spcAft>
+                <a:spcPct val="0"/>
+              </a:spcAft>
+              <a:defRPr>
+                <a:solidFill>
+                  <a:schemeClr val="tx1"/>
+                </a:solidFill>
+                <a:latin typeface="Arial" panose="020B0604020202020204" pitchFamily="34" charset="0"/>
+              </a:defRPr>
+            </a:lvl3pPr>
+            <a:lvl4pPr eaLnBrk="0" fontAlgn="base" hangingPunct="0">
+              <a:spcBef>
+                <a:spcPct val="0"/>
+              </a:spcBef>
+              <a:spcAft>
+                <a:spcPct val="0"/>
+              </a:spcAft>
+              <a:defRPr>
+                <a:solidFill>
+                  <a:schemeClr val="tx1"/>
+                </a:solidFill>
+                <a:latin typeface="Arial" panose="020B0604020202020204" pitchFamily="34" charset="0"/>
+              </a:defRPr>
+            </a:lvl4pPr>
+            <a:lvl5pPr eaLnBrk="0" fontAlgn="base" hangingPunct="0">
+              <a:spcBef>
+                <a:spcPct val="0"/>
+              </a:spcBef>
+              <a:spcAft>
+                <a:spcPct val="0"/>
+              </a:spcAft>
+              <a:defRPr>
+                <a:solidFill>
+                  <a:schemeClr val="tx1"/>
+                </a:solidFill>
+                <a:latin typeface="Arial" panose="020B0604020202020204" pitchFamily="34" charset="0"/>
+              </a:defRPr>
+            </a:lvl5pPr>
+            <a:lvl6pPr eaLnBrk="0" fontAlgn="base" hangingPunct="0">
+              <a:spcBef>
+                <a:spcPct val="0"/>
+              </a:spcBef>
+              <a:spcAft>
+                <a:spcPct val="0"/>
+              </a:spcAft>
+              <a:defRPr>
+                <a:solidFill>
+                  <a:schemeClr val="tx1"/>
+                </a:solidFill>
+                <a:latin typeface="Arial" panose="020B0604020202020204" pitchFamily="34" charset="0"/>
+              </a:defRPr>
+            </a:lvl6pPr>
+            <a:lvl7pPr eaLnBrk="0" fontAlgn="base" hangingPunct="0">
+              <a:spcBef>
+                <a:spcPct val="0"/>
+              </a:spcBef>
+              <a:spcAft>
+                <a:spcPct val="0"/>
+              </a:spcAft>
+              <a:defRPr>
+                <a:solidFill>
+                  <a:schemeClr val="tx1"/>
+                </a:solidFill>
+                <a:latin typeface="Arial" panose="020B0604020202020204" pitchFamily="34" charset="0"/>
+              </a:defRPr>
+            </a:lvl7pPr>
+            <a:lvl8pPr eaLnBrk="0" fontAlgn="base" hangingPunct="0">
+              <a:spcBef>
+                <a:spcPct val="0"/>
+              </a:spcBef>
+              <a:spcAft>
+                <a:spcPct val="0"/>
+              </a:spcAft>
+              <a:defRPr>
+                <a:solidFill>
+                  <a:schemeClr val="tx1"/>
+                </a:solidFill>
+                <a:latin typeface="Arial" panose="020B0604020202020204" pitchFamily="34" charset="0"/>
+              </a:defRPr>
+            </a:lvl8pPr>
+            <a:lvl9pPr eaLnBrk="0" fontAlgn="base" hangingPunct="0">
+              <a:spcBef>
+                <a:spcPct val="0"/>
+              </a:spcBef>
+              <a:spcAft>
+                <a:spcPct val="0"/>
+              </a:spcAft>
+              <a:defRPr>
+                <a:solidFill>
+                  <a:schemeClr val="tx1"/>
+                </a:solidFill>
+                <a:latin typeface="Arial" panose="020B0604020202020204" pitchFamily="34" charset="0"/>
+              </a:defRPr>
+            </a:lvl9pPr>
+          </a:lstStyle>
+          <a:p>
+            <a:pPr marL="0" marR="0" lvl="0" indent="0" algn="l" defTabSz="914400" rtl="0" eaLnBrk="0" fontAlgn="base" latinLnBrk="0" hangingPunct="0">
+              <a:lnSpc>
+                <a:spcPct val="100000"/>
+              </a:lnSpc>
+              <a:spcBef>
+                <a:spcPct val="0"/>
+              </a:spcBef>
+              <a:spcAft>
+                <a:spcPct val="0"/>
+              </a:spcAft>
+              <a:buClrTx/>
+              <a:buSzTx/>
+              <a:buFontTx/>
+              <a:buChar char="•"/>
+              <a:tabLst/>
+            </a:pPr>
+            <a:r>
+              <a:rPr kumimoji="0" lang="en-US" altLang="en-US" sz="1200" b="1" i="0" u="none" strike="noStrike" cap="none" normalizeH="0" baseline="0" dirty="0">
+                <a:ln>
+                  <a:noFill/>
+                </a:ln>
+                <a:solidFill>
+                  <a:srgbClr val="374151"/>
+                </a:solidFill>
+                <a:effectLst/>
+                <a:latin typeface="Söhne"/>
+              </a:rPr>
+              <a:t>Install Node.js and </a:t>
+            </a:r>
+            <a:r>
+              <a:rPr kumimoji="0" lang="en-US" altLang="en-US" sz="1200" b="1" i="0" u="none" strike="noStrike" cap="none" normalizeH="0" baseline="0" dirty="0" err="1">
+                <a:ln>
+                  <a:noFill/>
+                </a:ln>
+                <a:solidFill>
+                  <a:srgbClr val="374151"/>
+                </a:solidFill>
+                <a:effectLst/>
+                <a:latin typeface="Söhne"/>
+              </a:rPr>
+              <a:t>npm</a:t>
+            </a:r>
+            <a:r>
+              <a:rPr kumimoji="0" lang="en-US" altLang="en-US" sz="1200" b="1" i="0" u="none" strike="noStrike" cap="none" normalizeH="0" baseline="0" dirty="0">
+                <a:ln>
+                  <a:noFill/>
+                </a:ln>
+                <a:solidFill>
+                  <a:srgbClr val="374151"/>
+                </a:solidFill>
+                <a:effectLst/>
+                <a:latin typeface="Söhne"/>
+              </a:rPr>
+              <a:t>:</a:t>
+            </a:r>
+            <a:r>
+              <a:rPr kumimoji="0" lang="en-US" altLang="en-US" sz="1200" b="0" i="0" u="none" strike="noStrike" cap="none" normalizeH="0" baseline="0" dirty="0">
+                <a:ln>
+                  <a:noFill/>
+                </a:ln>
+                <a:solidFill>
+                  <a:srgbClr val="374151"/>
+                </a:solidFill>
+                <a:effectLst/>
+                <a:latin typeface="Söhne"/>
+              </a:rPr>
+              <a:t> Download and install Node.js and </a:t>
+            </a:r>
+            <a:r>
+              <a:rPr kumimoji="0" lang="en-US" altLang="en-US" sz="1200" b="0" i="0" u="none" strike="noStrike" cap="none" normalizeH="0" baseline="0" dirty="0" err="1">
+                <a:ln>
+                  <a:noFill/>
+                </a:ln>
+                <a:solidFill>
+                  <a:srgbClr val="374151"/>
+                </a:solidFill>
+                <a:effectLst/>
+                <a:latin typeface="Söhne"/>
+              </a:rPr>
+              <a:t>npm</a:t>
+            </a:r>
+            <a:r>
+              <a:rPr kumimoji="0" lang="en-US" altLang="en-US" sz="1200" b="0" i="0" u="none" strike="noStrike" cap="none" normalizeH="0" baseline="0" dirty="0">
+                <a:ln>
+                  <a:noFill/>
+                </a:ln>
+                <a:solidFill>
+                  <a:srgbClr val="374151"/>
+                </a:solidFill>
+                <a:effectLst/>
+                <a:latin typeface="Söhne"/>
+              </a:rPr>
+              <a:t> from </a:t>
+            </a:r>
+            <a:r>
+              <a:rPr kumimoji="0" lang="en-US" altLang="en-US" sz="1200" b="0" i="0" u="none" strike="noStrike" cap="none" normalizeH="0" baseline="0" dirty="0">
+                <a:ln>
+                  <a:noFill/>
+                </a:ln>
+                <a:solidFill>
+                  <a:srgbClr val="374151"/>
+                </a:solidFill>
+                <a:effectLst/>
+                <a:latin typeface="Söhne"/>
+                <a:hlinkClick r:id="rId2"/>
+              </a:rPr>
+              <a:t>https://nodejs.org</a:t>
+            </a:r>
+            <a:r>
+              <a:rPr kumimoji="0" lang="en-US" altLang="en-US" sz="1200" b="0" i="0" u="none" strike="noStrike" cap="none" normalizeH="0" baseline="0" dirty="0">
+                <a:ln>
+                  <a:noFill/>
+                </a:ln>
+                <a:solidFill>
+                  <a:srgbClr val="374151"/>
+                </a:solidFill>
+                <a:effectLst/>
+                <a:latin typeface="Söhne"/>
+              </a:rPr>
+              <a:t>.</a:t>
+            </a:r>
+          </a:p>
+          <a:p>
+            <a:pPr marL="0" marR="0" lvl="0" indent="0" algn="l" defTabSz="914400" rtl="0" eaLnBrk="0" fontAlgn="base" latinLnBrk="0" hangingPunct="0">
+              <a:lnSpc>
+                <a:spcPct val="100000"/>
+              </a:lnSpc>
+              <a:spcBef>
+                <a:spcPct val="0"/>
+              </a:spcBef>
+              <a:spcAft>
+                <a:spcPct val="0"/>
+              </a:spcAft>
+              <a:buClrTx/>
+              <a:buSzTx/>
+              <a:buFontTx/>
+              <a:buChar char="•"/>
+              <a:tabLst/>
+            </a:pPr>
+            <a:r>
+              <a:rPr kumimoji="0" lang="en-US" altLang="en-US" sz="1200" b="1" i="0" u="none" strike="noStrike" cap="none" normalizeH="0" baseline="0" dirty="0">
+                <a:ln>
+                  <a:noFill/>
+                </a:ln>
+                <a:solidFill>
+                  <a:srgbClr val="374151"/>
+                </a:solidFill>
+                <a:effectLst/>
+                <a:latin typeface="Söhne"/>
+              </a:rPr>
+              <a:t>Update </a:t>
+            </a:r>
+            <a:r>
+              <a:rPr kumimoji="0" lang="en-US" altLang="en-US" sz="1200" b="1" i="0" u="none" strike="noStrike" cap="none" normalizeH="0" baseline="0" dirty="0" err="1">
+                <a:ln>
+                  <a:noFill/>
+                </a:ln>
+                <a:solidFill>
+                  <a:srgbClr val="374151"/>
+                </a:solidFill>
+                <a:effectLst/>
+                <a:latin typeface="Söhne"/>
+              </a:rPr>
+              <a:t>npm</a:t>
+            </a:r>
+            <a:r>
+              <a:rPr kumimoji="0" lang="en-US" altLang="en-US" sz="1200" b="1" i="0" u="none" strike="noStrike" cap="none" normalizeH="0" baseline="0" dirty="0">
+                <a:ln>
+                  <a:noFill/>
+                </a:ln>
+                <a:solidFill>
+                  <a:srgbClr val="374151"/>
+                </a:solidFill>
+                <a:effectLst/>
+                <a:latin typeface="Söhne"/>
+              </a:rPr>
+              <a:t>:</a:t>
+            </a:r>
+            <a:r>
+              <a:rPr kumimoji="0" lang="en-US" altLang="en-US" sz="1200" b="0" i="0" u="none" strike="noStrike" cap="none" normalizeH="0" baseline="0" dirty="0">
+                <a:ln>
+                  <a:noFill/>
+                </a:ln>
+                <a:solidFill>
+                  <a:srgbClr val="374151"/>
+                </a:solidFill>
+                <a:effectLst/>
+                <a:latin typeface="Söhne"/>
+              </a:rPr>
+              <a:t> Open your VS Code Terminal and update </a:t>
+            </a:r>
+            <a:r>
+              <a:rPr kumimoji="0" lang="en-US" altLang="en-US" sz="1200" b="0" i="0" u="none" strike="noStrike" cap="none" normalizeH="0" baseline="0" dirty="0" err="1">
+                <a:ln>
+                  <a:noFill/>
+                </a:ln>
+                <a:solidFill>
+                  <a:srgbClr val="374151"/>
+                </a:solidFill>
+                <a:effectLst/>
+                <a:latin typeface="Söhne"/>
+              </a:rPr>
+              <a:t>npm</a:t>
+            </a:r>
+            <a:r>
+              <a:rPr kumimoji="0" lang="en-US" altLang="en-US" sz="1200" b="0" i="0" u="none" strike="noStrike" cap="none" normalizeH="0" baseline="0" dirty="0">
+                <a:ln>
+                  <a:noFill/>
+                </a:ln>
+                <a:solidFill>
+                  <a:srgbClr val="374151"/>
+                </a:solidFill>
+                <a:effectLst/>
+                <a:latin typeface="Söhne"/>
+              </a:rPr>
+              <a:t> globally using the following command:</a:t>
+            </a:r>
+          </a:p>
+          <a:p>
+            <a:pPr marL="0" marR="0" lvl="0" indent="0" algn="l" defTabSz="914400" rtl="0" eaLnBrk="0" fontAlgn="base" latinLnBrk="0" hangingPunct="0">
+              <a:lnSpc>
+                <a:spcPct val="100000"/>
+              </a:lnSpc>
+              <a:spcBef>
+                <a:spcPct val="0"/>
+              </a:spcBef>
+              <a:spcAft>
+                <a:spcPct val="0"/>
+              </a:spcAft>
+              <a:buClrTx/>
+              <a:buSzTx/>
+              <a:buFontTx/>
+              <a:buChar char="•"/>
+              <a:tabLst/>
+            </a:pPr>
+            <a:endParaRPr lang="en-US" altLang="en-US" sz="1200" dirty="0">
+              <a:solidFill>
+                <a:srgbClr val="374151"/>
+              </a:solidFill>
+              <a:latin typeface="Söhne"/>
+            </a:endParaRPr>
+          </a:p>
+          <a:p>
+            <a:pPr marL="0" marR="0" lvl="0" indent="0" algn="l" defTabSz="914400" rtl="0" eaLnBrk="0" fontAlgn="base" latinLnBrk="0" hangingPunct="0">
+              <a:lnSpc>
+                <a:spcPct val="100000"/>
+              </a:lnSpc>
+              <a:spcBef>
+                <a:spcPct val="0"/>
+              </a:spcBef>
+              <a:spcAft>
+                <a:spcPct val="0"/>
+              </a:spcAft>
+              <a:buClrTx/>
+              <a:buSzTx/>
+              <a:buNone/>
+              <a:tabLst/>
+            </a:pPr>
+            <a:endParaRPr kumimoji="0" lang="en-US" altLang="en-US" b="0" i="0" u="none" strike="noStrike" cap="none" normalizeH="0" baseline="0" dirty="0">
+              <a:ln>
+                <a:noFill/>
+              </a:ln>
+              <a:solidFill>
+                <a:srgbClr val="374151"/>
+              </a:solidFill>
+              <a:effectLst/>
+              <a:latin typeface="Söhne Mono"/>
+            </a:endParaRPr>
+          </a:p>
+          <a:p>
+            <a:pPr marL="0" marR="0" lvl="0" indent="0" algn="l" defTabSz="914400" rtl="0" eaLnBrk="0" fontAlgn="base" latinLnBrk="0" hangingPunct="0">
+              <a:lnSpc>
+                <a:spcPct val="100000"/>
+              </a:lnSpc>
+              <a:spcBef>
+                <a:spcPct val="0"/>
+              </a:spcBef>
+              <a:spcAft>
+                <a:spcPct val="0"/>
+              </a:spcAft>
+              <a:buClrTx/>
+              <a:buSzTx/>
+              <a:buFontTx/>
+              <a:buNone/>
+              <a:tabLst/>
+            </a:pPr>
+            <a:endParaRPr kumimoji="0" lang="en-US" altLang="en-US" sz="1000" b="0" i="0" u="none" strike="noStrike" cap="none" normalizeH="0" baseline="0" dirty="0">
+              <a:ln>
+                <a:noFill/>
+              </a:ln>
+              <a:solidFill>
+                <a:srgbClr val="FFFFFF"/>
+              </a:solidFill>
+              <a:effectLst/>
+              <a:latin typeface="inherit"/>
+            </a:endParaRPr>
+          </a:p>
+          <a:p>
+            <a:pPr marL="0" marR="0" lvl="0" indent="0" algn="l" defTabSz="914400" rtl="0" eaLnBrk="0" fontAlgn="base" latinLnBrk="0" hangingPunct="0">
+              <a:lnSpc>
+                <a:spcPct val="100000"/>
+              </a:lnSpc>
+              <a:spcBef>
+                <a:spcPct val="0"/>
+              </a:spcBef>
+              <a:spcAft>
+                <a:spcPct val="0"/>
+              </a:spcAft>
+              <a:buClrTx/>
+              <a:buSzTx/>
+              <a:buFontTx/>
+              <a:buNone/>
+              <a:tabLst/>
+            </a:pPr>
+            <a:endParaRPr lang="en-US" altLang="en-US" sz="1000" dirty="0">
+              <a:solidFill>
+                <a:srgbClr val="FFFFFF"/>
+              </a:solidFill>
+              <a:latin typeface="inherit"/>
+            </a:endParaRPr>
+          </a:p>
+          <a:p>
+            <a:pPr marL="0" marR="0" lvl="0" indent="0" algn="l" defTabSz="914400" rtl="0" eaLnBrk="0" fontAlgn="base" latinLnBrk="0" hangingPunct="0">
+              <a:lnSpc>
+                <a:spcPct val="100000"/>
+              </a:lnSpc>
+              <a:spcBef>
+                <a:spcPct val="0"/>
+              </a:spcBef>
+              <a:spcAft>
+                <a:spcPct val="0"/>
+              </a:spcAft>
+              <a:buClrTx/>
+              <a:buSzTx/>
+              <a:buFontTx/>
+              <a:buNone/>
+              <a:tabLst/>
+            </a:pPr>
+            <a:endParaRPr kumimoji="0" lang="en-US" altLang="en-US" sz="1000" b="0" i="0" u="none" strike="noStrike" cap="none" normalizeH="0" baseline="0" dirty="0">
+              <a:ln>
+                <a:noFill/>
+              </a:ln>
+              <a:solidFill>
+                <a:srgbClr val="FFFFFF"/>
+              </a:solidFill>
+              <a:effectLst/>
+              <a:latin typeface="inherit"/>
+            </a:endParaRPr>
+          </a:p>
+          <a:p>
+            <a:pPr marL="0" marR="0" lvl="0" indent="0" algn="l" defTabSz="914400" rtl="0" eaLnBrk="0" fontAlgn="base" latinLnBrk="0" hangingPunct="0">
+              <a:lnSpc>
+                <a:spcPct val="100000"/>
+              </a:lnSpc>
+              <a:spcBef>
+                <a:spcPct val="0"/>
+              </a:spcBef>
+              <a:spcAft>
+                <a:spcPct val="0"/>
+              </a:spcAft>
+              <a:buClrTx/>
+              <a:buSzTx/>
+              <a:buFontTx/>
+              <a:buNone/>
+              <a:tabLst/>
+            </a:pPr>
+            <a:endParaRPr lang="en-US" altLang="en-US" sz="1000" dirty="0">
+              <a:solidFill>
+                <a:srgbClr val="FFFFFF"/>
+              </a:solidFill>
+              <a:latin typeface="inherit"/>
+            </a:endParaRPr>
+          </a:p>
+          <a:p>
+            <a:pPr marL="0" marR="0" lvl="0" indent="0" algn="l" defTabSz="914400" rtl="0" eaLnBrk="0" fontAlgn="base" latinLnBrk="0" hangingPunct="0">
+              <a:lnSpc>
+                <a:spcPct val="100000"/>
+              </a:lnSpc>
+              <a:spcBef>
+                <a:spcPct val="0"/>
+              </a:spcBef>
+              <a:spcAft>
+                <a:spcPct val="0"/>
+              </a:spcAft>
+              <a:buClrTx/>
+              <a:buSzTx/>
+              <a:buFontTx/>
+              <a:buNone/>
+              <a:tabLst/>
+            </a:pPr>
+            <a:r>
+              <a:rPr kumimoji="0" lang="en-US" altLang="en-US" sz="1000" b="0" i="0" u="none" strike="noStrike" cap="none" normalizeH="0" baseline="0" dirty="0" err="1">
+                <a:ln>
+                  <a:noFill/>
+                </a:ln>
+                <a:solidFill>
+                  <a:srgbClr val="FFFFFF"/>
+                </a:solidFill>
+                <a:effectLst/>
+                <a:latin typeface="inherit"/>
+              </a:rPr>
+              <a:t>npm</a:t>
+            </a:r>
+            <a:r>
+              <a:rPr kumimoji="0" lang="en-US" altLang="en-US" sz="1000" b="0" i="0" u="none" strike="noStrike" cap="none" normalizeH="0" baseline="0" dirty="0">
+                <a:ln>
+                  <a:noFill/>
+                </a:ln>
+                <a:solidFill>
+                  <a:srgbClr val="FFFFFF"/>
+                </a:solidFill>
+                <a:effectLst/>
+                <a:latin typeface="inherit"/>
+              </a:rPr>
+              <a:t> install -g </a:t>
+            </a:r>
+            <a:r>
+              <a:rPr kumimoji="0" lang="en-US" altLang="en-US" sz="1000" b="0" i="0" u="none" strike="noStrike" cap="none" normalizeH="0" baseline="0" dirty="0" err="1">
+                <a:ln>
+                  <a:noFill/>
+                </a:ln>
+                <a:solidFill>
+                  <a:srgbClr val="FFFFFF"/>
+                </a:solidFill>
+                <a:effectLst/>
+                <a:latin typeface="inherit"/>
+              </a:rPr>
+              <a:t>npm</a:t>
+            </a:r>
+            <a:r>
+              <a:rPr kumimoji="0" lang="en-US" altLang="en-US" sz="1000" b="0" i="0" u="none" strike="noStrike" cap="none" normalizeH="0" baseline="0" dirty="0">
+                <a:ln>
+                  <a:noFill/>
+                </a:ln>
+                <a:solidFill>
+                  <a:srgbClr val="FFFFFF"/>
+                </a:solidFill>
+                <a:effectLst/>
+                <a:latin typeface="inherit"/>
+              </a:rPr>
+              <a:t> </a:t>
+            </a:r>
+            <a:endParaRPr kumimoji="0" lang="en-US" altLang="en-US" sz="1200" b="0" i="0" u="none" strike="noStrike" cap="none" normalizeH="0" baseline="0" dirty="0">
+              <a:ln>
+                <a:noFill/>
+              </a:ln>
+              <a:solidFill>
+                <a:srgbClr val="374151"/>
+              </a:solidFill>
+              <a:effectLst/>
+              <a:latin typeface="Söhne"/>
+            </a:endParaRPr>
+          </a:p>
+          <a:p>
+            <a:pPr marL="0" marR="0" lvl="0" indent="0" algn="l" defTabSz="914400" rtl="0" eaLnBrk="0" fontAlgn="base" latinLnBrk="0" hangingPunct="0">
+              <a:lnSpc>
+                <a:spcPct val="100000"/>
+              </a:lnSpc>
+              <a:spcBef>
+                <a:spcPct val="0"/>
+              </a:spcBef>
+              <a:spcAft>
+                <a:spcPct val="0"/>
+              </a:spcAft>
+              <a:buClrTx/>
+              <a:buSzTx/>
+              <a:buFontTx/>
+              <a:buChar char="•"/>
+              <a:tabLst/>
+            </a:pPr>
+            <a:r>
+              <a:rPr kumimoji="0" lang="en-US" altLang="en-US" sz="1200" b="1" i="0" u="none" strike="noStrike" cap="none" normalizeH="0" baseline="0" dirty="0">
+                <a:ln>
+                  <a:noFill/>
+                </a:ln>
+                <a:solidFill>
+                  <a:srgbClr val="374151"/>
+                </a:solidFill>
+                <a:effectLst/>
+                <a:latin typeface="Söhne"/>
+              </a:rPr>
+              <a:t>Verify Installation:</a:t>
+            </a:r>
+            <a:r>
+              <a:rPr kumimoji="0" lang="en-US" altLang="en-US" sz="1200" b="0" i="0" u="none" strike="noStrike" cap="none" normalizeH="0" baseline="0" dirty="0">
+                <a:ln>
+                  <a:noFill/>
+                </a:ln>
+                <a:solidFill>
+                  <a:srgbClr val="374151"/>
+                </a:solidFill>
+                <a:effectLst/>
+                <a:latin typeface="Söhne"/>
+              </a:rPr>
+              <a:t> In the VS Code Terminal, confirm the successful installation of Node.js and </a:t>
+            </a:r>
+            <a:r>
+              <a:rPr kumimoji="0" lang="en-US" altLang="en-US" sz="1200" b="0" i="0" u="none" strike="noStrike" cap="none" normalizeH="0" baseline="0" dirty="0" err="1">
+                <a:ln>
+                  <a:noFill/>
+                </a:ln>
+                <a:solidFill>
+                  <a:srgbClr val="374151"/>
+                </a:solidFill>
+                <a:effectLst/>
+                <a:latin typeface="Söhne"/>
+              </a:rPr>
+              <a:t>npm</a:t>
+            </a:r>
+            <a:r>
+              <a:rPr kumimoji="0" lang="en-US" altLang="en-US" sz="1200" b="0" i="0" u="none" strike="noStrike" cap="none" normalizeH="0" baseline="0" dirty="0">
+                <a:ln>
+                  <a:noFill/>
+                </a:ln>
+                <a:solidFill>
+                  <a:srgbClr val="374151"/>
+                </a:solidFill>
+                <a:effectLst/>
+                <a:latin typeface="Söhne"/>
+              </a:rPr>
+              <a:t> by checking their versions:</a:t>
+            </a:r>
+            <a:endParaRPr kumimoji="0" lang="en-US" altLang="en-US" b="0" i="0" u="none" strike="noStrike" cap="none" normalizeH="0" baseline="0" dirty="0">
+              <a:ln>
+                <a:noFill/>
+              </a:ln>
+              <a:solidFill>
+                <a:srgbClr val="374151"/>
+              </a:solidFill>
+              <a:effectLst/>
+              <a:latin typeface="Söhne Mono"/>
+            </a:endParaRPr>
+          </a:p>
+          <a:p>
+            <a:pPr marL="0" marR="0" lvl="0" indent="0" algn="l" defTabSz="914400" rtl="0" eaLnBrk="0" fontAlgn="base" latinLnBrk="0" hangingPunct="0">
+              <a:lnSpc>
+                <a:spcPct val="100000"/>
+              </a:lnSpc>
+              <a:spcBef>
+                <a:spcPct val="0"/>
+              </a:spcBef>
+              <a:spcAft>
+                <a:spcPct val="0"/>
+              </a:spcAft>
+              <a:buClrTx/>
+              <a:buSzTx/>
+              <a:buFontTx/>
+              <a:buNone/>
+              <a:tabLst/>
+            </a:pPr>
+            <a:endParaRPr lang="en-US" altLang="en-US" sz="1000" dirty="0">
+              <a:solidFill>
+                <a:srgbClr val="FFFFFF"/>
+              </a:solidFill>
+              <a:latin typeface="inherit"/>
+            </a:endParaRPr>
+          </a:p>
+          <a:p>
+            <a:pPr marL="0" marR="0" lvl="0" indent="0" algn="l" defTabSz="914400" rtl="0" eaLnBrk="0" fontAlgn="base" latinLnBrk="0" hangingPunct="0">
+              <a:lnSpc>
+                <a:spcPct val="100000"/>
+              </a:lnSpc>
+              <a:spcBef>
+                <a:spcPct val="0"/>
+              </a:spcBef>
+              <a:spcAft>
+                <a:spcPct val="0"/>
+              </a:spcAft>
+              <a:buClrTx/>
+              <a:buSzTx/>
+              <a:buFontTx/>
+              <a:buNone/>
+              <a:tabLst/>
+            </a:pPr>
+            <a:endParaRPr kumimoji="0" lang="en-US" altLang="en-US" sz="1000" b="0" i="0" u="none" strike="noStrike" cap="none" normalizeH="0" baseline="0" dirty="0">
+              <a:ln>
+                <a:noFill/>
+              </a:ln>
+              <a:solidFill>
+                <a:srgbClr val="FFFFFF"/>
+              </a:solidFill>
+              <a:effectLst/>
+              <a:latin typeface="inherit"/>
+            </a:endParaRPr>
+          </a:p>
+          <a:p>
+            <a:pPr marL="0" marR="0" lvl="0" indent="0" algn="l" defTabSz="914400" rtl="0" eaLnBrk="0" fontAlgn="base" latinLnBrk="0" hangingPunct="0">
+              <a:lnSpc>
+                <a:spcPct val="100000"/>
+              </a:lnSpc>
+              <a:spcBef>
+                <a:spcPct val="0"/>
+              </a:spcBef>
+              <a:spcAft>
+                <a:spcPct val="0"/>
+              </a:spcAft>
+              <a:buClrTx/>
+              <a:buSzTx/>
+              <a:buFontTx/>
+              <a:buNone/>
+              <a:tabLst/>
+            </a:pPr>
+            <a:endParaRPr lang="en-US" altLang="en-US" sz="1000" dirty="0">
+              <a:solidFill>
+                <a:srgbClr val="FFFFFF"/>
+              </a:solidFill>
+              <a:latin typeface="inherit"/>
+            </a:endParaRPr>
+          </a:p>
+          <a:p>
+            <a:pPr marL="0" marR="0" lvl="0" indent="0" algn="l" defTabSz="914400" rtl="0" eaLnBrk="0" fontAlgn="base" latinLnBrk="0" hangingPunct="0">
+              <a:lnSpc>
+                <a:spcPct val="100000"/>
+              </a:lnSpc>
+              <a:spcBef>
+                <a:spcPct val="0"/>
+              </a:spcBef>
+              <a:spcAft>
+                <a:spcPct val="0"/>
+              </a:spcAft>
+              <a:buClrTx/>
+              <a:buSzTx/>
+              <a:buFontTx/>
+              <a:buNone/>
+              <a:tabLst/>
+            </a:pPr>
+            <a:endParaRPr kumimoji="0" lang="en-US" altLang="en-US" sz="1000" b="0" i="0" u="none" strike="noStrike" cap="none" normalizeH="0" baseline="0" dirty="0">
+              <a:ln>
+                <a:noFill/>
+              </a:ln>
+              <a:solidFill>
+                <a:srgbClr val="FFFFFF"/>
+              </a:solidFill>
+              <a:effectLst/>
+              <a:latin typeface="inherit"/>
+            </a:endParaRPr>
+          </a:p>
+          <a:p>
+            <a:pPr marL="0" marR="0" lvl="0" indent="0" algn="l" defTabSz="914400" rtl="0" eaLnBrk="0" fontAlgn="base" latinLnBrk="0" hangingPunct="0">
+              <a:lnSpc>
+                <a:spcPct val="100000"/>
+              </a:lnSpc>
+              <a:spcBef>
+                <a:spcPct val="0"/>
+              </a:spcBef>
+              <a:spcAft>
+                <a:spcPct val="0"/>
+              </a:spcAft>
+              <a:buClrTx/>
+              <a:buSzTx/>
+              <a:buFontTx/>
+              <a:buNone/>
+              <a:tabLst/>
+            </a:pPr>
+            <a:endParaRPr kumimoji="0" lang="en-US" altLang="en-US" sz="1200" b="0" i="0" u="none" strike="noStrike" cap="none" normalizeH="0" baseline="0" dirty="0">
+              <a:ln>
+                <a:noFill/>
+              </a:ln>
+              <a:solidFill>
+                <a:srgbClr val="374151"/>
+              </a:solidFill>
+              <a:effectLst/>
+              <a:latin typeface="Söhne"/>
+            </a:endParaRPr>
+          </a:p>
+          <a:p>
+            <a:pPr marL="0" marR="0" lvl="0" indent="0" algn="l" defTabSz="914400" rtl="0" eaLnBrk="0" fontAlgn="base" latinLnBrk="0" hangingPunct="0">
+              <a:lnSpc>
+                <a:spcPct val="100000"/>
+              </a:lnSpc>
+              <a:spcBef>
+                <a:spcPct val="0"/>
+              </a:spcBef>
+              <a:spcAft>
+                <a:spcPct val="0"/>
+              </a:spcAft>
+              <a:buClrTx/>
+              <a:buSzTx/>
+              <a:buFontTx/>
+              <a:buNone/>
+              <a:tabLst/>
+            </a:pPr>
+            <a:endParaRPr lang="en-US" altLang="en-US" sz="1200" dirty="0">
+              <a:solidFill>
+                <a:srgbClr val="374151"/>
+              </a:solidFill>
+              <a:latin typeface="Söhne"/>
+            </a:endParaRPr>
+          </a:p>
+          <a:p>
+            <a:pPr marL="0" marR="0" lvl="0" indent="0" algn="l" defTabSz="914400" rtl="0" eaLnBrk="0" fontAlgn="base" latinLnBrk="0" hangingPunct="0">
+              <a:lnSpc>
+                <a:spcPct val="100000"/>
+              </a:lnSpc>
+              <a:spcBef>
+                <a:spcPct val="0"/>
+              </a:spcBef>
+              <a:spcAft>
+                <a:spcPct val="0"/>
+              </a:spcAft>
+              <a:buClrTx/>
+              <a:buSzTx/>
+              <a:buFontTx/>
+              <a:buNone/>
+              <a:tabLst/>
+            </a:pPr>
+            <a:endParaRPr kumimoji="0" lang="en-US" altLang="en-US" sz="1200" b="0" i="0" u="none" strike="noStrike" cap="none" normalizeH="0" baseline="0" dirty="0">
+              <a:ln>
+                <a:noFill/>
+              </a:ln>
+              <a:solidFill>
+                <a:srgbClr val="374151"/>
+              </a:solidFill>
+              <a:effectLst/>
+              <a:latin typeface="Söhne"/>
+            </a:endParaRPr>
+          </a:p>
+          <a:p>
+            <a:pPr marL="0" marR="0" lvl="0" indent="0" algn="l" defTabSz="914400" rtl="0" eaLnBrk="0" fontAlgn="base" latinLnBrk="0" hangingPunct="0">
+              <a:lnSpc>
+                <a:spcPct val="100000"/>
+              </a:lnSpc>
+              <a:spcBef>
+                <a:spcPct val="0"/>
+              </a:spcBef>
+              <a:spcAft>
+                <a:spcPct val="0"/>
+              </a:spcAft>
+              <a:buClrTx/>
+              <a:buSzTx/>
+              <a:buFontTx/>
+              <a:buNone/>
+              <a:tabLst/>
+            </a:pPr>
+            <a:endParaRPr lang="en-US" altLang="en-US" sz="1200" dirty="0">
+              <a:solidFill>
+                <a:srgbClr val="374151"/>
+              </a:solidFill>
+              <a:latin typeface="Söhne"/>
+            </a:endParaRPr>
+          </a:p>
+          <a:p>
+            <a:pPr marL="0" marR="0" lvl="0" indent="0" algn="l" defTabSz="914400" rtl="0" eaLnBrk="0" fontAlgn="base" latinLnBrk="0" hangingPunct="0">
+              <a:lnSpc>
+                <a:spcPct val="100000"/>
+              </a:lnSpc>
+              <a:spcBef>
+                <a:spcPct val="0"/>
+              </a:spcBef>
+              <a:spcAft>
+                <a:spcPct val="0"/>
+              </a:spcAft>
+              <a:buClrTx/>
+              <a:buSzTx/>
+              <a:buFontTx/>
+              <a:buNone/>
+              <a:tabLst/>
+            </a:pPr>
+            <a:endParaRPr kumimoji="0" lang="en-US" altLang="en-US" sz="1200" b="0" i="0" u="none" strike="noStrike" cap="none" normalizeH="0" baseline="0" dirty="0">
+              <a:ln>
+                <a:noFill/>
+              </a:ln>
+              <a:solidFill>
+                <a:srgbClr val="374151"/>
+              </a:solidFill>
+              <a:effectLst/>
+              <a:latin typeface="Söhne"/>
+            </a:endParaRPr>
+          </a:p>
+        </p:txBody>
+      </p:sp>
+      <p:pic>
+        <p:nvPicPr>
+          <p:cNvPr id="10" name="Picture 9">
+            <a:extLst>
+              <a:ext uri="{FF2B5EF4-FFF2-40B4-BE49-F238E27FC236}">
+                <a16:creationId xmlns:a16="http://schemas.microsoft.com/office/drawing/2014/main" id="{E4D8F1C2-80B7-8AF8-3749-B55677BD2800}"/>
+              </a:ext>
+            </a:extLst>
+          </p:cNvPr>
+          <p:cNvPicPr>
+            <a:picLocks noChangeAspect="1"/>
+          </p:cNvPicPr>
+          <p:nvPr/>
+        </p:nvPicPr>
+        <p:blipFill>
+          <a:blip r:embed="rId3"/>
+          <a:stretch>
+            <a:fillRect/>
+          </a:stretch>
+        </p:blipFill>
+        <p:spPr>
+          <a:xfrm>
+            <a:off x="1242135" y="2674517"/>
+            <a:ext cx="5258534" cy="895475"/>
+          </a:xfrm>
+          <a:prstGeom prst="rect">
+            <a:avLst/>
+          </a:prstGeom>
+        </p:spPr>
+      </p:pic>
+      <p:pic>
+        <p:nvPicPr>
+          <p:cNvPr id="12" name="Picture 11">
+            <a:extLst>
+              <a:ext uri="{FF2B5EF4-FFF2-40B4-BE49-F238E27FC236}">
+                <a16:creationId xmlns:a16="http://schemas.microsoft.com/office/drawing/2014/main" id="{93FEB64A-3965-5C89-B983-AF824918A583}"/>
+              </a:ext>
+            </a:extLst>
+          </p:cNvPr>
+          <p:cNvPicPr>
+            <a:picLocks noChangeAspect="1"/>
+          </p:cNvPicPr>
+          <p:nvPr/>
+        </p:nvPicPr>
+        <p:blipFill>
+          <a:blip r:embed="rId4"/>
+          <a:stretch>
+            <a:fillRect/>
+          </a:stretch>
+        </p:blipFill>
+        <p:spPr>
+          <a:xfrm>
+            <a:off x="1242136" y="4103730"/>
+            <a:ext cx="5258534" cy="1190791"/>
+          </a:xfrm>
+          <a:prstGeom prst="rect">
+            <a:avLst/>
+          </a:prstGeom>
+        </p:spPr>
+      </p:pic>
+    </p:spTree>
+    <p:extLst>
+      <p:ext uri="{BB962C8B-B14F-4D97-AF65-F5344CB8AC3E}">
+        <p14:creationId xmlns:p14="http://schemas.microsoft.com/office/powerpoint/2010/main" val="579580916"/>
+      </p:ext>
+    </p:extLst>
+  </p:cSld>
+  <p:clrMapOvr>
+    <a:masterClrMapping/>
+  </p:clrMapOvr>
+</p:sld>
+</file>
+
+<file path=ppt/slides/slide16.xml><?xml version="1.0" encoding="utf-8"?>
+<p:sld xmlns:a="http://schemas.openxmlformats.org/drawingml/2006/main" xmlns:r="http://schemas.openxmlformats.org/officeDocument/2006/relationships" xmlns:p="http://schemas.openxmlformats.org/presentationml/2006/main">
+  <p:cSld>
+    <p:bg>
+      <p:bgPr>
+        <a:noFill/>
+        <a:effectLst/>
+      </p:bgPr>
+    </p:bg>
+    <p:spTree>
+      <p:nvGrpSpPr>
+        <p:cNvPr id="1" name=""/>
+        <p:cNvGrpSpPr/>
+        <p:nvPr/>
+      </p:nvGrpSpPr>
+      <p:grpSpPr>
+        <a:xfrm>
+          <a:off x="0" y="0"/>
+          <a:ext cx="0" cy="0"/>
+          <a:chOff x="0" y="0"/>
+          <a:chExt cx="0" cy="0"/>
+        </a:xfrm>
+      </p:grpSpPr>
+      <p:sp>
+        <p:nvSpPr>
+          <p:cNvPr id="2" name="Title 1">
+            <a:extLst>
+              <a:ext uri="{FF2B5EF4-FFF2-40B4-BE49-F238E27FC236}">
+                <a16:creationId xmlns:a16="http://schemas.microsoft.com/office/drawing/2014/main" id="{34A8AEC8-4978-DD77-6391-0F7711E4FEB9}"/>
+              </a:ext>
+            </a:extLst>
+          </p:cNvPr>
+          <p:cNvSpPr>
+            <a:spLocks noGrp="1"/>
+          </p:cNvSpPr>
+          <p:nvPr>
+            <p:ph type="title"/>
+          </p:nvPr>
+        </p:nvSpPr>
+        <p:spPr/>
+        <p:txBody>
+          <a:bodyPr/>
+          <a:lstStyle/>
+          <a:p>
+            <a:r>
+              <a:rPr lang="en-US" b="1" i="0" dirty="0">
+                <a:effectLst/>
+                <a:latin typeface="Söhne"/>
+              </a:rPr>
+              <a:t>Create a New React App</a:t>
+            </a:r>
+            <a:endParaRPr lang="en-IN" b="1" dirty="0"/>
+          </a:p>
+        </p:txBody>
+      </p:sp>
+      <p:sp>
+        <p:nvSpPr>
+          <p:cNvPr id="4" name="Rectangle 2">
+            <a:extLst>
+              <a:ext uri="{FF2B5EF4-FFF2-40B4-BE49-F238E27FC236}">
+                <a16:creationId xmlns:a16="http://schemas.microsoft.com/office/drawing/2014/main" id="{12FA7DF5-A81F-BFE1-2664-C764187AB7F9}"/>
+              </a:ext>
+            </a:extLst>
+          </p:cNvPr>
+          <p:cNvSpPr>
+            <a:spLocks noGrp="1" noChangeArrowheads="1"/>
+          </p:cNvSpPr>
+          <p:nvPr>
+            <p:ph idx="1"/>
+          </p:nvPr>
+        </p:nvSpPr>
+        <p:spPr bwMode="auto">
+          <a:xfrm>
+            <a:off x="1179576" y="1897067"/>
+            <a:ext cx="6629059" cy="2708434"/>
+          </a:xfrm>
+          <a:prstGeom prst="rect">
+            <a:avLst/>
+          </a:prstGeom>
+          <a:solidFill>
+            <a:srgbClr val="F7F7F8"/>
+          </a:solidFill>
+          <a:ln>
+            <a:noFill/>
+          </a:ln>
+          <a:effectLst/>
+          <a:extLst>
+            <a:ext uri="{91240B29-F687-4F45-9708-019B960494DF}">
+              <a14:hiddenLine xmlns:a14="http://schemas.microsoft.com/office/drawing/2010/main" w="9525">
+                <a:solidFill>
+                  <a:schemeClr val="tx1"/>
+                </a:solidFill>
+                <a:miter lim="800000"/>
+                <a:headEnd/>
+                <a:tailEnd/>
+              </a14:hiddenLine>
+            </a:ext>
+            <a:ext uri="{AF507438-7753-43E0-B8FC-AC1667EBCBE1}">
+              <a14:hiddenEffects xmlns:a14="http://schemas.microsoft.com/office/drawing/2010/main">
+                <a:effectLst>
+                  <a:outerShdw dist="35921" dir="2700000" algn="ctr" rotWithShape="0">
+                    <a:schemeClr val="bg2"/>
+                  </a:outerShdw>
+                </a:effectLst>
+              </a14:hiddenEffects>
+            </a:ext>
+          </a:extLst>
+        </p:spPr>
+        <p:txBody>
+          <a:bodyPr vert="horz" wrap="none" lIns="0" tIns="0" rIns="0" bIns="0" numCol="1" anchor="ctr" anchorCtr="0" compatLnSpc="1">
+            <a:prstTxWarp prst="textNoShape">
+              <a:avLst/>
+            </a:prstTxWarp>
+            <a:spAutoFit/>
+          </a:bodyPr>
+          <a:lstStyle>
+            <a:lvl1pPr eaLnBrk="0" fontAlgn="base" hangingPunct="0">
+              <a:spcBef>
+                <a:spcPct val="0"/>
+              </a:spcBef>
+              <a:spcAft>
+                <a:spcPct val="0"/>
+              </a:spcAft>
+              <a:defRPr>
+                <a:solidFill>
+                  <a:schemeClr val="tx1"/>
+                </a:solidFill>
+                <a:latin typeface="Arial" panose="020B0604020202020204" pitchFamily="34" charset="0"/>
+              </a:defRPr>
+            </a:lvl1pPr>
+            <a:lvl2pPr eaLnBrk="0" fontAlgn="base" hangingPunct="0">
+              <a:spcBef>
+                <a:spcPct val="0"/>
+              </a:spcBef>
+              <a:spcAft>
+                <a:spcPct val="0"/>
+              </a:spcAft>
+              <a:defRPr>
+                <a:solidFill>
+                  <a:schemeClr val="tx1"/>
+                </a:solidFill>
+                <a:latin typeface="Arial" panose="020B0604020202020204" pitchFamily="34" charset="0"/>
+              </a:defRPr>
+            </a:lvl2pPr>
+            <a:lvl3pPr eaLnBrk="0" fontAlgn="base" hangingPunct="0">
+              <a:spcBef>
+                <a:spcPct val="0"/>
+              </a:spcBef>
+              <a:spcAft>
+                <a:spcPct val="0"/>
+              </a:spcAft>
+              <a:defRPr>
+                <a:solidFill>
+                  <a:schemeClr val="tx1"/>
+                </a:solidFill>
+                <a:latin typeface="Arial" panose="020B0604020202020204" pitchFamily="34" charset="0"/>
+              </a:defRPr>
+            </a:lvl3pPr>
+            <a:lvl4pPr eaLnBrk="0" fontAlgn="base" hangingPunct="0">
+              <a:spcBef>
+                <a:spcPct val="0"/>
+              </a:spcBef>
+              <a:spcAft>
+                <a:spcPct val="0"/>
+              </a:spcAft>
+              <a:defRPr>
+                <a:solidFill>
+                  <a:schemeClr val="tx1"/>
+                </a:solidFill>
+                <a:latin typeface="Arial" panose="020B0604020202020204" pitchFamily="34" charset="0"/>
+              </a:defRPr>
+            </a:lvl4pPr>
+            <a:lvl5pPr eaLnBrk="0" fontAlgn="base" hangingPunct="0">
+              <a:spcBef>
+                <a:spcPct val="0"/>
+              </a:spcBef>
+              <a:spcAft>
+                <a:spcPct val="0"/>
+              </a:spcAft>
+              <a:defRPr>
+                <a:solidFill>
+                  <a:schemeClr val="tx1"/>
+                </a:solidFill>
+                <a:latin typeface="Arial" panose="020B0604020202020204" pitchFamily="34" charset="0"/>
+              </a:defRPr>
+            </a:lvl5pPr>
+            <a:lvl6pPr eaLnBrk="0" fontAlgn="base" hangingPunct="0">
+              <a:spcBef>
+                <a:spcPct val="0"/>
+              </a:spcBef>
+              <a:spcAft>
+                <a:spcPct val="0"/>
+              </a:spcAft>
+              <a:defRPr>
+                <a:solidFill>
+                  <a:schemeClr val="tx1"/>
+                </a:solidFill>
+                <a:latin typeface="Arial" panose="020B0604020202020204" pitchFamily="34" charset="0"/>
+              </a:defRPr>
+            </a:lvl6pPr>
+            <a:lvl7pPr eaLnBrk="0" fontAlgn="base" hangingPunct="0">
+              <a:spcBef>
+                <a:spcPct val="0"/>
+              </a:spcBef>
+              <a:spcAft>
+                <a:spcPct val="0"/>
+              </a:spcAft>
+              <a:defRPr>
+                <a:solidFill>
+                  <a:schemeClr val="tx1"/>
+                </a:solidFill>
+                <a:latin typeface="Arial" panose="020B0604020202020204" pitchFamily="34" charset="0"/>
+              </a:defRPr>
+            </a:lvl7pPr>
+            <a:lvl8pPr eaLnBrk="0" fontAlgn="base" hangingPunct="0">
+              <a:spcBef>
+                <a:spcPct val="0"/>
+              </a:spcBef>
+              <a:spcAft>
+                <a:spcPct val="0"/>
+              </a:spcAft>
+              <a:defRPr>
+                <a:solidFill>
+                  <a:schemeClr val="tx1"/>
+                </a:solidFill>
+                <a:latin typeface="Arial" panose="020B0604020202020204" pitchFamily="34" charset="0"/>
+              </a:defRPr>
+            </a:lvl8pPr>
+            <a:lvl9pPr eaLnBrk="0" fontAlgn="base" hangingPunct="0">
+              <a:spcBef>
+                <a:spcPct val="0"/>
+              </a:spcBef>
+              <a:spcAft>
+                <a:spcPct val="0"/>
+              </a:spcAft>
+              <a:defRPr>
+                <a:solidFill>
+                  <a:schemeClr val="tx1"/>
+                </a:solidFill>
+                <a:latin typeface="Arial" panose="020B0604020202020204" pitchFamily="34" charset="0"/>
+              </a:defRPr>
+            </a:lvl9pPr>
+          </a:lstStyle>
+          <a:p>
+            <a:pPr marL="0" indent="0">
+              <a:lnSpc>
+                <a:spcPct val="100000"/>
+              </a:lnSpc>
+              <a:buClrTx/>
+              <a:buSzTx/>
+              <a:buNone/>
+            </a:pPr>
+            <a:r>
+              <a:rPr kumimoji="0" lang="en-US" altLang="en-US" sz="1200" b="1" i="0" u="none" strike="noStrike" cap="none" normalizeH="0" baseline="0" dirty="0">
+                <a:ln>
+                  <a:noFill/>
+                </a:ln>
+                <a:solidFill>
+                  <a:schemeClr val="tx1"/>
+                </a:solidFill>
+                <a:effectLst/>
+                <a:latin typeface="Söhne"/>
+              </a:rPr>
+              <a:t>Create React App:</a:t>
+            </a:r>
+            <a:r>
+              <a:rPr kumimoji="0" lang="en-US" altLang="en-US" sz="1200" b="0" i="0" u="none" strike="noStrike" cap="none" normalizeH="0" baseline="0" dirty="0">
+                <a:ln>
+                  <a:noFill/>
+                </a:ln>
+                <a:solidFill>
+                  <a:srgbClr val="374151"/>
+                </a:solidFill>
+                <a:effectLst/>
+                <a:latin typeface="Söhne"/>
+              </a:rPr>
+              <a:t> In your VS Code Terminal, run the following commands:</a:t>
+            </a:r>
+            <a:endParaRPr kumimoji="0" lang="en-US" altLang="en-US" b="0" i="0" u="none" strike="noStrike" cap="none" normalizeH="0" baseline="0" dirty="0">
+              <a:ln>
+                <a:noFill/>
+              </a:ln>
+              <a:solidFill>
+                <a:srgbClr val="374151"/>
+              </a:solidFill>
+              <a:effectLst/>
+              <a:latin typeface="Söhne Mono"/>
+            </a:endParaRPr>
+          </a:p>
+          <a:p>
+            <a:pPr marL="0" marR="0" lvl="0" indent="0" algn="l" defTabSz="914400" rtl="0" eaLnBrk="0" fontAlgn="base" latinLnBrk="0" hangingPunct="0">
+              <a:lnSpc>
+                <a:spcPct val="100000"/>
+              </a:lnSpc>
+              <a:spcBef>
+                <a:spcPct val="0"/>
+              </a:spcBef>
+              <a:spcAft>
+                <a:spcPct val="0"/>
+              </a:spcAft>
+              <a:buClrTx/>
+              <a:buSzTx/>
+              <a:buFontTx/>
+              <a:buNone/>
+              <a:tabLst/>
+            </a:pPr>
+            <a:endParaRPr kumimoji="0" lang="en-US" altLang="en-US" sz="1200" b="0" i="0" u="none" strike="noStrike" cap="none" normalizeH="0" baseline="0" dirty="0">
+              <a:ln>
+                <a:noFill/>
+              </a:ln>
+              <a:solidFill>
+                <a:srgbClr val="374151"/>
+              </a:solidFill>
+              <a:effectLst/>
+              <a:latin typeface="Söhne"/>
+            </a:endParaRPr>
+          </a:p>
+          <a:p>
+            <a:pPr marL="0" marR="0" lvl="0" indent="0" algn="l" defTabSz="914400" rtl="0" eaLnBrk="0" fontAlgn="base" latinLnBrk="0" hangingPunct="0">
+              <a:lnSpc>
+                <a:spcPct val="100000"/>
+              </a:lnSpc>
+              <a:spcBef>
+                <a:spcPct val="0"/>
+              </a:spcBef>
+              <a:spcAft>
+                <a:spcPct val="0"/>
+              </a:spcAft>
+              <a:buClrTx/>
+              <a:buSzTx/>
+              <a:buFontTx/>
+              <a:buNone/>
+              <a:tabLst/>
+            </a:pPr>
+            <a:endParaRPr lang="en-US" altLang="en-US" sz="1200" dirty="0">
+              <a:solidFill>
+                <a:srgbClr val="374151"/>
+              </a:solidFill>
+              <a:latin typeface="Söhne"/>
+            </a:endParaRPr>
+          </a:p>
+          <a:p>
+            <a:pPr marL="0" marR="0" lvl="0" indent="0" algn="l" defTabSz="914400" rtl="0" eaLnBrk="0" fontAlgn="base" latinLnBrk="0" hangingPunct="0">
+              <a:lnSpc>
+                <a:spcPct val="100000"/>
+              </a:lnSpc>
+              <a:spcBef>
+                <a:spcPct val="0"/>
+              </a:spcBef>
+              <a:spcAft>
+                <a:spcPct val="0"/>
+              </a:spcAft>
+              <a:buClrTx/>
+              <a:buSzTx/>
+              <a:buFontTx/>
+              <a:buChar char="•"/>
+              <a:tabLst/>
+            </a:pPr>
+            <a:endParaRPr kumimoji="0" lang="en-US" altLang="en-US" sz="1200" b="0" i="0" u="none" strike="noStrike" cap="none" normalizeH="0" baseline="0" dirty="0">
+              <a:ln>
+                <a:noFill/>
+              </a:ln>
+              <a:solidFill>
+                <a:srgbClr val="374151"/>
+              </a:solidFill>
+              <a:effectLst/>
+              <a:latin typeface="Söhne"/>
+            </a:endParaRPr>
+          </a:p>
+          <a:p>
+            <a:pPr marL="0" marR="0" lvl="0" indent="0" algn="l" defTabSz="914400" rtl="0" eaLnBrk="0" fontAlgn="base" latinLnBrk="0" hangingPunct="0">
+              <a:lnSpc>
+                <a:spcPct val="100000"/>
+              </a:lnSpc>
+              <a:spcBef>
+                <a:spcPct val="0"/>
+              </a:spcBef>
+              <a:spcAft>
+                <a:spcPct val="0"/>
+              </a:spcAft>
+              <a:buClrTx/>
+              <a:buSzTx/>
+              <a:buFontTx/>
+              <a:buNone/>
+              <a:tabLst/>
+            </a:pPr>
+            <a:endParaRPr lang="en-US" altLang="en-US" sz="1200" dirty="0">
+              <a:solidFill>
+                <a:srgbClr val="374151"/>
+              </a:solidFill>
+              <a:latin typeface="Söhne"/>
+            </a:endParaRPr>
+          </a:p>
+          <a:p>
+            <a:pPr marL="0" marR="0" lvl="0" indent="0" algn="l" defTabSz="914400" rtl="0" eaLnBrk="0" fontAlgn="base" latinLnBrk="0" hangingPunct="0">
+              <a:lnSpc>
+                <a:spcPct val="100000"/>
+              </a:lnSpc>
+              <a:spcBef>
+                <a:spcPct val="0"/>
+              </a:spcBef>
+              <a:spcAft>
+                <a:spcPct val="0"/>
+              </a:spcAft>
+              <a:buClrTx/>
+              <a:buSzTx/>
+              <a:buFontTx/>
+              <a:buNone/>
+              <a:tabLst/>
+            </a:pPr>
+            <a:endParaRPr kumimoji="0" lang="en-US" altLang="en-US" sz="1200" b="0" i="0" u="none" strike="noStrike" cap="none" normalizeH="0" baseline="0" dirty="0">
+              <a:ln>
+                <a:noFill/>
+              </a:ln>
+              <a:solidFill>
+                <a:srgbClr val="374151"/>
+              </a:solidFill>
+              <a:effectLst/>
+              <a:latin typeface="Söhne"/>
+            </a:endParaRPr>
+          </a:p>
+          <a:p>
+            <a:pPr marL="0" marR="0" lvl="0" indent="0" algn="l" defTabSz="914400" rtl="0" eaLnBrk="0" fontAlgn="base" latinLnBrk="0" hangingPunct="0">
+              <a:lnSpc>
+                <a:spcPct val="100000"/>
+              </a:lnSpc>
+              <a:spcBef>
+                <a:spcPct val="0"/>
+              </a:spcBef>
+              <a:spcAft>
+                <a:spcPct val="0"/>
+              </a:spcAft>
+              <a:buClrTx/>
+              <a:buSzTx/>
+              <a:buFontTx/>
+              <a:buNone/>
+              <a:tabLst/>
+            </a:pPr>
+            <a:endParaRPr lang="en-US" altLang="en-US" sz="1200" dirty="0">
+              <a:solidFill>
+                <a:srgbClr val="374151"/>
+              </a:solidFill>
+              <a:latin typeface="Söhne"/>
+            </a:endParaRPr>
+          </a:p>
+          <a:p>
+            <a:pPr marL="0" marR="0" lvl="0" indent="0" algn="l" defTabSz="914400" rtl="0" eaLnBrk="0" fontAlgn="base" latinLnBrk="0" hangingPunct="0">
+              <a:lnSpc>
+                <a:spcPct val="100000"/>
+              </a:lnSpc>
+              <a:spcBef>
+                <a:spcPct val="0"/>
+              </a:spcBef>
+              <a:spcAft>
+                <a:spcPct val="0"/>
+              </a:spcAft>
+              <a:buClrTx/>
+              <a:buSzTx/>
+              <a:buFontTx/>
+              <a:buNone/>
+              <a:tabLst/>
+            </a:pPr>
+            <a:endParaRPr kumimoji="0" lang="en-US" altLang="en-US" sz="1200" b="0" i="0" u="none" strike="noStrike" cap="none" normalizeH="0" baseline="0" dirty="0">
+              <a:ln>
+                <a:noFill/>
+              </a:ln>
+              <a:solidFill>
+                <a:srgbClr val="374151"/>
+              </a:solidFill>
+              <a:effectLst/>
+              <a:latin typeface="Söhne"/>
+            </a:endParaRPr>
+          </a:p>
+          <a:p>
+            <a:pPr marL="0" marR="0" lvl="0" indent="0" algn="l" defTabSz="914400" rtl="0" eaLnBrk="0" fontAlgn="base" latinLnBrk="0" hangingPunct="0">
+              <a:lnSpc>
+                <a:spcPct val="100000"/>
+              </a:lnSpc>
+              <a:spcBef>
+                <a:spcPct val="0"/>
+              </a:spcBef>
+              <a:spcAft>
+                <a:spcPct val="0"/>
+              </a:spcAft>
+              <a:buClrTx/>
+              <a:buSzTx/>
+              <a:buFontTx/>
+              <a:buNone/>
+              <a:tabLst/>
+            </a:pPr>
+            <a:endParaRPr lang="en-US" altLang="en-US" sz="1200" dirty="0">
+              <a:solidFill>
+                <a:srgbClr val="374151"/>
+              </a:solidFill>
+              <a:latin typeface="Söhne"/>
+            </a:endParaRPr>
+          </a:p>
+          <a:p>
+            <a:pPr marL="0" marR="0" lvl="0" indent="0" algn="l" defTabSz="914400" rtl="0" eaLnBrk="0" fontAlgn="base" latinLnBrk="0" hangingPunct="0">
+              <a:lnSpc>
+                <a:spcPct val="100000"/>
+              </a:lnSpc>
+              <a:spcBef>
+                <a:spcPct val="0"/>
+              </a:spcBef>
+              <a:spcAft>
+                <a:spcPct val="0"/>
+              </a:spcAft>
+              <a:buClrTx/>
+              <a:buSzTx/>
+              <a:buFontTx/>
+              <a:buNone/>
+              <a:tabLst/>
+            </a:pPr>
+            <a:r>
+              <a:rPr kumimoji="0" lang="en-US" altLang="en-US" sz="1200" b="0" i="0" u="none" strike="noStrike" cap="none" normalizeH="0" baseline="0" dirty="0">
+                <a:ln>
+                  <a:noFill/>
+                </a:ln>
+                <a:solidFill>
+                  <a:srgbClr val="374151"/>
+                </a:solidFill>
+                <a:effectLst/>
+                <a:latin typeface="Söhne"/>
+              </a:rPr>
+              <a:t>This will create a new React app named "react-demo-</a:t>
+            </a:r>
+            <a:r>
+              <a:rPr kumimoji="0" lang="en-US" altLang="en-US" sz="1200" b="0" i="0" u="none" strike="noStrike" cap="none" normalizeH="0" baseline="0" dirty="0" err="1">
+                <a:ln>
+                  <a:noFill/>
+                </a:ln>
+                <a:solidFill>
+                  <a:srgbClr val="374151"/>
+                </a:solidFill>
+                <a:effectLst/>
+                <a:latin typeface="Söhne"/>
+              </a:rPr>
+              <a:t>ToDoList</a:t>
+            </a:r>
+            <a:r>
+              <a:rPr kumimoji="0" lang="en-US" altLang="en-US" sz="1200" b="0" i="0" u="none" strike="noStrike" cap="none" normalizeH="0" baseline="0" dirty="0">
+                <a:ln>
+                  <a:noFill/>
+                </a:ln>
+                <a:solidFill>
+                  <a:srgbClr val="374151"/>
+                </a:solidFill>
+                <a:effectLst/>
+                <a:latin typeface="Söhne"/>
+              </a:rPr>
+              <a:t>" and navigate into its directory.</a:t>
+            </a:r>
+          </a:p>
+          <a:p>
+            <a:pPr marL="0" marR="0" lvl="0" indent="0" algn="l" defTabSz="914400" rtl="0" eaLnBrk="0" fontAlgn="base" latinLnBrk="0" hangingPunct="0">
+              <a:lnSpc>
+                <a:spcPct val="100000"/>
+              </a:lnSpc>
+              <a:spcBef>
+                <a:spcPct val="0"/>
+              </a:spcBef>
+              <a:spcAft>
+                <a:spcPct val="0"/>
+              </a:spcAft>
+              <a:buClrTx/>
+              <a:buSzTx/>
+              <a:buFontTx/>
+              <a:buNone/>
+              <a:tabLst/>
+            </a:pPr>
+            <a:endParaRPr lang="en-US" altLang="en-US" sz="1200" dirty="0">
+              <a:solidFill>
+                <a:srgbClr val="374151"/>
+              </a:solidFill>
+              <a:latin typeface="Söhne"/>
+            </a:endParaRPr>
+          </a:p>
+          <a:p>
+            <a:pPr marL="0" marR="0" lvl="0" indent="0" algn="l" defTabSz="914400" rtl="0" eaLnBrk="0" fontAlgn="base" latinLnBrk="0" hangingPunct="0">
+              <a:lnSpc>
+                <a:spcPct val="100000"/>
+              </a:lnSpc>
+              <a:spcBef>
+                <a:spcPct val="0"/>
+              </a:spcBef>
+              <a:spcAft>
+                <a:spcPct val="0"/>
+              </a:spcAft>
+              <a:buClrTx/>
+              <a:buSzTx/>
+              <a:buFontTx/>
+              <a:buChar char="•"/>
+              <a:tabLst/>
+            </a:pPr>
+            <a:r>
+              <a:rPr kumimoji="0" lang="en-US" altLang="en-US" sz="1200" b="1" i="0" u="none" strike="noStrike" cap="none" normalizeH="0" baseline="0" dirty="0">
+                <a:ln>
+                  <a:noFill/>
+                </a:ln>
+                <a:solidFill>
+                  <a:srgbClr val="374151"/>
+                </a:solidFill>
+                <a:effectLst/>
+                <a:latin typeface="Söhne"/>
+              </a:rPr>
+              <a:t>Navigate to Source Directory:</a:t>
+            </a:r>
+            <a:r>
+              <a:rPr kumimoji="0" lang="en-US" altLang="en-US" sz="1200" b="0" i="0" u="none" strike="noStrike" cap="none" normalizeH="0" baseline="0" dirty="0">
+                <a:ln>
+                  <a:noFill/>
+                </a:ln>
+                <a:solidFill>
+                  <a:srgbClr val="374151"/>
+                </a:solidFill>
+                <a:effectLst/>
+                <a:latin typeface="Söhne"/>
+              </a:rPr>
+              <a:t> In your VS Code Terminal, navigate to the </a:t>
+            </a:r>
+            <a:r>
+              <a:rPr kumimoji="0" lang="en-US" altLang="en-US" sz="1100" b="1" i="0" u="none" strike="noStrike" cap="none" normalizeH="0" baseline="0" dirty="0">
+                <a:ln>
+                  <a:noFill/>
+                </a:ln>
+                <a:solidFill>
+                  <a:srgbClr val="374151"/>
+                </a:solidFill>
+                <a:effectLst/>
+                <a:latin typeface="Söhne Mono"/>
+              </a:rPr>
+              <a:t>./</a:t>
+            </a:r>
+            <a:r>
+              <a:rPr kumimoji="0" lang="en-US" altLang="en-US" sz="1100" b="1" i="0" u="none" strike="noStrike" cap="none" normalizeH="0" baseline="0" dirty="0" err="1">
+                <a:ln>
+                  <a:noFill/>
+                </a:ln>
+                <a:solidFill>
+                  <a:srgbClr val="374151"/>
+                </a:solidFill>
+                <a:effectLst/>
+                <a:latin typeface="Söhne Mono"/>
+              </a:rPr>
+              <a:t>src</a:t>
+            </a:r>
+            <a:r>
+              <a:rPr kumimoji="0" lang="en-US" altLang="en-US" sz="1200" b="0" i="0" u="none" strike="noStrike" cap="none" normalizeH="0" baseline="0" dirty="0">
+                <a:ln>
+                  <a:noFill/>
+                </a:ln>
+                <a:solidFill>
+                  <a:srgbClr val="374151"/>
+                </a:solidFill>
+                <a:effectLst/>
+                <a:latin typeface="Söhne"/>
+              </a:rPr>
+              <a:t> directory within the project.</a:t>
+            </a:r>
+          </a:p>
+          <a:p>
+            <a:pPr marL="0" marR="0" lvl="0" indent="0" algn="l" defTabSz="914400" rtl="0" eaLnBrk="0" fontAlgn="base" latinLnBrk="0" hangingPunct="0">
+              <a:lnSpc>
+                <a:spcPct val="100000"/>
+              </a:lnSpc>
+              <a:spcBef>
+                <a:spcPct val="0"/>
+              </a:spcBef>
+              <a:spcAft>
+                <a:spcPct val="0"/>
+              </a:spcAft>
+              <a:buClrTx/>
+              <a:buSzTx/>
+              <a:buFontTx/>
+              <a:buChar char="•"/>
+              <a:tabLst/>
+            </a:pPr>
+            <a:r>
+              <a:rPr kumimoji="0" lang="en-US" altLang="en-US" sz="1200" b="1" i="0" u="none" strike="noStrike" cap="none" normalizeH="0" baseline="0" dirty="0">
+                <a:ln>
+                  <a:noFill/>
+                </a:ln>
+                <a:solidFill>
+                  <a:srgbClr val="374151"/>
+                </a:solidFill>
+                <a:effectLst/>
+                <a:latin typeface="Söhne"/>
+              </a:rPr>
+              <a:t>Update App.js:</a:t>
+            </a:r>
+            <a:r>
+              <a:rPr kumimoji="0" lang="en-US" altLang="en-US" sz="1200" b="0" i="0" u="none" strike="noStrike" cap="none" normalizeH="0" baseline="0" dirty="0">
+                <a:ln>
+                  <a:noFill/>
+                </a:ln>
+                <a:solidFill>
+                  <a:srgbClr val="374151"/>
+                </a:solidFill>
+                <a:effectLst/>
+                <a:latin typeface="Söhne"/>
+              </a:rPr>
+              <a:t> Edit the </a:t>
+            </a:r>
+            <a:r>
+              <a:rPr kumimoji="0" lang="en-US" altLang="en-US" sz="1100" b="1" i="0" u="none" strike="noStrike" cap="none" normalizeH="0" baseline="0" dirty="0">
+                <a:ln>
+                  <a:noFill/>
+                </a:ln>
+                <a:solidFill>
+                  <a:srgbClr val="374151"/>
+                </a:solidFill>
+                <a:effectLst/>
+                <a:latin typeface="Söhne Mono"/>
+              </a:rPr>
+              <a:t>App.js</a:t>
+            </a:r>
+            <a:r>
+              <a:rPr kumimoji="0" lang="en-US" altLang="en-US" sz="1200" b="0" i="0" u="none" strike="noStrike" cap="none" normalizeH="0" baseline="0" dirty="0">
+                <a:ln>
+                  <a:noFill/>
+                </a:ln>
+                <a:solidFill>
+                  <a:srgbClr val="374151"/>
+                </a:solidFill>
+                <a:effectLst/>
+                <a:latin typeface="Söhne"/>
+              </a:rPr>
+              <a:t> file to implement the </a:t>
+            </a:r>
+            <a:r>
+              <a:rPr kumimoji="0" lang="en-US" altLang="en-US" sz="1200" b="0" i="0" u="none" strike="noStrike" cap="none" normalizeH="0" baseline="0" dirty="0" err="1">
+                <a:ln>
+                  <a:noFill/>
+                </a:ln>
+                <a:solidFill>
+                  <a:srgbClr val="374151"/>
+                </a:solidFill>
+                <a:effectLst/>
+                <a:latin typeface="Söhne"/>
+              </a:rPr>
+              <a:t>ToDoList</a:t>
+            </a:r>
+            <a:r>
+              <a:rPr kumimoji="0" lang="en-US" altLang="en-US" sz="1200" b="0" i="0" u="none" strike="noStrike" cap="none" normalizeH="0" baseline="0" dirty="0">
+                <a:ln>
+                  <a:noFill/>
+                </a:ln>
+                <a:solidFill>
+                  <a:srgbClr val="374151"/>
+                </a:solidFill>
+                <a:effectLst/>
+                <a:latin typeface="Söhne"/>
+              </a:rPr>
+              <a:t> functionality.</a:t>
+            </a:r>
+          </a:p>
+          <a:p>
+            <a:pPr marL="0" marR="0" lvl="0" indent="0" algn="l" defTabSz="914400" rtl="0" eaLnBrk="0" fontAlgn="base" latinLnBrk="0" hangingPunct="0">
+              <a:lnSpc>
+                <a:spcPct val="100000"/>
+              </a:lnSpc>
+              <a:spcBef>
+                <a:spcPct val="0"/>
+              </a:spcBef>
+              <a:spcAft>
+                <a:spcPct val="0"/>
+              </a:spcAft>
+              <a:buClrTx/>
+              <a:buSzTx/>
+              <a:buFontTx/>
+              <a:buNone/>
+              <a:tabLst/>
+            </a:pPr>
+            <a:endParaRPr lang="en-US" altLang="en-US" sz="1200" dirty="0">
+              <a:solidFill>
+                <a:srgbClr val="374151"/>
+              </a:solidFill>
+              <a:latin typeface="Söhne"/>
+            </a:endParaRPr>
+          </a:p>
+          <a:p>
+            <a:pPr marL="0" marR="0" lvl="0" indent="0" algn="l" defTabSz="914400" rtl="0" eaLnBrk="0" fontAlgn="base" latinLnBrk="0" hangingPunct="0">
+              <a:lnSpc>
+                <a:spcPct val="100000"/>
+              </a:lnSpc>
+              <a:spcBef>
+                <a:spcPct val="0"/>
+              </a:spcBef>
+              <a:spcAft>
+                <a:spcPct val="0"/>
+              </a:spcAft>
+              <a:buClrTx/>
+              <a:buSzTx/>
+              <a:buFontTx/>
+              <a:buNone/>
+              <a:tabLst/>
+            </a:pPr>
+            <a:r>
+              <a:rPr kumimoji="0" lang="en-US" altLang="en-US" sz="800" b="0" i="0" u="none" strike="noStrike" cap="none" normalizeH="0" baseline="0" dirty="0">
+                <a:ln>
+                  <a:noFill/>
+                </a:ln>
+                <a:solidFill>
+                  <a:schemeClr val="tx1"/>
+                </a:solidFill>
+                <a:effectLst/>
+              </a:rPr>
+              <a:t> </a:t>
+            </a:r>
+            <a:endParaRPr kumimoji="0" lang="en-US" altLang="en-US" sz="1800" b="0" i="0" u="none" strike="noStrike" cap="none" normalizeH="0" baseline="0" dirty="0">
+              <a:ln>
+                <a:noFill/>
+              </a:ln>
+              <a:solidFill>
+                <a:schemeClr val="tx1"/>
+              </a:solidFill>
+              <a:effectLst/>
+              <a:latin typeface="Arial" panose="020B0604020202020204" pitchFamily="34" charset="0"/>
+            </a:endParaRPr>
+          </a:p>
+        </p:txBody>
+      </p:sp>
+      <p:pic>
+        <p:nvPicPr>
+          <p:cNvPr id="6" name="Picture 5">
+            <a:extLst>
+              <a:ext uri="{FF2B5EF4-FFF2-40B4-BE49-F238E27FC236}">
+                <a16:creationId xmlns:a16="http://schemas.microsoft.com/office/drawing/2014/main" id="{AA9A2F11-B2AE-588E-9C35-9EC3DC5E6ADD}"/>
+              </a:ext>
+            </a:extLst>
+          </p:cNvPr>
+          <p:cNvPicPr>
+            <a:picLocks noChangeAspect="1"/>
+          </p:cNvPicPr>
+          <p:nvPr/>
+        </p:nvPicPr>
+        <p:blipFill>
+          <a:blip r:embed="rId2"/>
+          <a:stretch>
+            <a:fillRect/>
+          </a:stretch>
+        </p:blipFill>
+        <p:spPr>
+          <a:xfrm>
+            <a:off x="1179576" y="2251824"/>
+            <a:ext cx="5268060" cy="1105054"/>
+          </a:xfrm>
+          <a:prstGeom prst="rect">
+            <a:avLst/>
+          </a:prstGeom>
+        </p:spPr>
+      </p:pic>
+      <p:sp>
+        <p:nvSpPr>
+          <p:cNvPr id="7" name="Rectangle 3">
+            <a:extLst>
+              <a:ext uri="{FF2B5EF4-FFF2-40B4-BE49-F238E27FC236}">
+                <a16:creationId xmlns:a16="http://schemas.microsoft.com/office/drawing/2014/main" id="{433F90B7-0AC3-ABAF-314C-D50E4E6AB87C}"/>
+              </a:ext>
+            </a:extLst>
+          </p:cNvPr>
+          <p:cNvSpPr>
+            <a:spLocks noChangeArrowheads="1"/>
+          </p:cNvSpPr>
+          <p:nvPr/>
+        </p:nvSpPr>
+        <p:spPr bwMode="auto">
+          <a:xfrm>
+            <a:off x="0" y="-477311"/>
+            <a:ext cx="65" cy="954622"/>
+          </a:xfrm>
+          <a:prstGeom prst="rect">
+            <a:avLst/>
+          </a:prstGeom>
+          <a:solidFill>
+            <a:srgbClr val="F7F7F8"/>
+          </a:solidFill>
+          <a:ln>
+            <a:noFill/>
+          </a:ln>
+          <a:effectLst/>
+          <a:extLst>
+            <a:ext uri="{91240B29-F687-4F45-9708-019B960494DF}">
+              <a14:hiddenLine xmlns:a14="http://schemas.microsoft.com/office/drawing/2010/main" w="9525">
+                <a:solidFill>
+                  <a:schemeClr val="tx1"/>
+                </a:solidFill>
+                <a:miter lim="800000"/>
+                <a:headEnd/>
+                <a:tailEnd/>
+              </a14:hiddenLine>
+            </a:ext>
+            <a:ext uri="{AF507438-7753-43E0-B8FC-AC1667EBCBE1}">
+              <a14:hiddenEffects xmlns:a14="http://schemas.microsoft.com/office/drawing/2010/main">
+                <a:effectLst>
+                  <a:outerShdw dist="35921" dir="2700000" algn="ctr" rotWithShape="0">
+                    <a:schemeClr val="bg2"/>
+                  </a:outerShdw>
+                </a:effectLst>
+              </a14:hiddenEffects>
+            </a:ext>
+          </a:extLst>
+        </p:spPr>
+        <p:txBody>
+          <a:bodyPr vert="horz" wrap="none" lIns="0" tIns="198375" rIns="0" bIns="198375" numCol="1" anchor="ctr" anchorCtr="0" compatLnSpc="1">
+            <a:prstTxWarp prst="textNoShape">
+              <a:avLst/>
+            </a:prstTxWarp>
+            <a:spAutoFit/>
+          </a:bodyPr>
+          <a:lstStyle/>
+          <a:p>
+            <a:pPr marL="0" marR="0" lvl="0" indent="0" algn="l" defTabSz="914400" rtl="0" eaLnBrk="0" fontAlgn="base" latinLnBrk="0" hangingPunct="0">
+              <a:lnSpc>
+                <a:spcPct val="100000"/>
+              </a:lnSpc>
+              <a:spcBef>
+                <a:spcPct val="0"/>
+              </a:spcBef>
+              <a:spcAft>
+                <a:spcPct val="0"/>
+              </a:spcAft>
+              <a:buClrTx/>
+              <a:buSzTx/>
+              <a:buFontTx/>
+              <a:buNone/>
+              <a:tabLst/>
+            </a:pPr>
+            <a:endParaRPr kumimoji="0" lang="en-US" altLang="en-US" sz="1800" b="0" i="0" u="none" strike="noStrike" cap="none" normalizeH="0" baseline="0" dirty="0">
+              <a:ln>
+                <a:noFill/>
+              </a:ln>
+              <a:solidFill>
+                <a:schemeClr val="tx1"/>
+              </a:solidFill>
+              <a:effectLst/>
+              <a:latin typeface="Arial" panose="020B0604020202020204" pitchFamily="34" charset="0"/>
+            </a:endParaRPr>
+          </a:p>
+          <a:p>
+            <a:pPr marL="0" marR="0" lvl="0" indent="0" algn="l" defTabSz="914400" rtl="0" eaLnBrk="0" fontAlgn="base" latinLnBrk="0" hangingPunct="0">
+              <a:lnSpc>
+                <a:spcPct val="100000"/>
+              </a:lnSpc>
+              <a:spcBef>
+                <a:spcPct val="0"/>
+              </a:spcBef>
+              <a:spcAft>
+                <a:spcPct val="0"/>
+              </a:spcAft>
+              <a:buClrTx/>
+              <a:buSzTx/>
+              <a:buFontTx/>
+              <a:buNone/>
+              <a:tabLst/>
+            </a:pPr>
+            <a:endParaRPr kumimoji="0" lang="en-US" altLang="en-US" sz="1800" b="0" i="0" u="none" strike="noStrike" cap="none" normalizeH="0" baseline="0" dirty="0">
+              <a:ln>
+                <a:noFill/>
+              </a:ln>
+              <a:solidFill>
+                <a:schemeClr val="tx1"/>
+              </a:solidFill>
+              <a:effectLst/>
+              <a:latin typeface="Arial" panose="020B0604020202020204" pitchFamily="34" charset="0"/>
+            </a:endParaRPr>
+          </a:p>
+        </p:txBody>
+      </p:sp>
+    </p:spTree>
+    <p:extLst>
+      <p:ext uri="{BB962C8B-B14F-4D97-AF65-F5344CB8AC3E}">
+        <p14:creationId xmlns:p14="http://schemas.microsoft.com/office/powerpoint/2010/main" val="849479271"/>
+      </p:ext>
+    </p:extLst>
+  </p:cSld>
+  <p:clrMapOvr>
+    <a:masterClrMapping/>
+  </p:clrMapOvr>
+</p:sld>
+</file>
+
+<file path=ppt/slides/slide17.xml><?xml version="1.0" encoding="utf-8"?>
+<p:sld xmlns:a="http://schemas.openxmlformats.org/drawingml/2006/main" xmlns:r="http://schemas.openxmlformats.org/officeDocument/2006/relationships" xmlns:p="http://schemas.openxmlformats.org/presentationml/2006/main">
+  <p:cSld>
+    <p:bg>
+      <p:bgPr>
+        <a:noFill/>
+        <a:effectLst/>
+      </p:bgPr>
+    </p:bg>
+    <p:spTree>
+      <p:nvGrpSpPr>
+        <p:cNvPr id="1" name=""/>
+        <p:cNvGrpSpPr/>
+        <p:nvPr/>
+      </p:nvGrpSpPr>
+      <p:grpSpPr>
+        <a:xfrm>
+          <a:off x="0" y="0"/>
+          <a:ext cx="0" cy="0"/>
+          <a:chOff x="0" y="0"/>
+          <a:chExt cx="0" cy="0"/>
+        </a:xfrm>
+      </p:grpSpPr>
+      <p:sp>
+        <p:nvSpPr>
+          <p:cNvPr id="2" name="Title 1">
+            <a:extLst>
+              <a:ext uri="{FF2B5EF4-FFF2-40B4-BE49-F238E27FC236}">
+                <a16:creationId xmlns:a16="http://schemas.microsoft.com/office/drawing/2014/main" id="{5358BB56-AA12-BA4C-3015-BBAF98B2893B}"/>
+              </a:ext>
+            </a:extLst>
+          </p:cNvPr>
+          <p:cNvSpPr>
+            <a:spLocks noGrp="1"/>
+          </p:cNvSpPr>
+          <p:nvPr>
+            <p:ph type="title"/>
+          </p:nvPr>
+        </p:nvSpPr>
+        <p:spPr/>
+        <p:txBody>
+          <a:bodyPr/>
+          <a:lstStyle/>
+          <a:p>
+            <a:r>
+              <a:rPr lang="en-IN" b="1" i="0" dirty="0">
+                <a:effectLst/>
+                <a:latin typeface="Söhne"/>
+              </a:rPr>
+              <a:t>Start the Development Server</a:t>
+            </a:r>
+            <a:endParaRPr lang="en-IN" dirty="0"/>
+          </a:p>
+        </p:txBody>
+      </p:sp>
+      <p:sp>
+        <p:nvSpPr>
+          <p:cNvPr id="4" name="Rectangle 1">
+            <a:extLst>
+              <a:ext uri="{FF2B5EF4-FFF2-40B4-BE49-F238E27FC236}">
+                <a16:creationId xmlns:a16="http://schemas.microsoft.com/office/drawing/2014/main" id="{E5E49248-CD9B-8307-52AE-E5B3E511A711}"/>
+              </a:ext>
+            </a:extLst>
+          </p:cNvPr>
+          <p:cNvSpPr>
+            <a:spLocks noGrp="1" noChangeArrowheads="1"/>
+          </p:cNvSpPr>
+          <p:nvPr>
+            <p:ph idx="1"/>
+          </p:nvPr>
+        </p:nvSpPr>
+        <p:spPr bwMode="auto">
+          <a:xfrm>
+            <a:off x="1097280" y="2120692"/>
+            <a:ext cx="7519174" cy="2616616"/>
+          </a:xfrm>
+          <a:prstGeom prst="rect">
+            <a:avLst/>
+          </a:prstGeom>
+          <a:solidFill>
+            <a:srgbClr val="F7F7F8"/>
+          </a:solidFill>
+          <a:ln>
+            <a:noFill/>
+          </a:ln>
+          <a:effectLst/>
+          <a:extLst>
+            <a:ext uri="{91240B29-F687-4F45-9708-019B960494DF}">
+              <a14:hiddenLine xmlns:a14="http://schemas.microsoft.com/office/drawing/2010/main" w="9525">
+                <a:solidFill>
+                  <a:schemeClr val="tx1"/>
+                </a:solidFill>
+                <a:miter lim="800000"/>
+                <a:headEnd/>
+                <a:tailEnd/>
+              </a14:hiddenLine>
+            </a:ext>
+            <a:ext uri="{AF507438-7753-43E0-B8FC-AC1667EBCBE1}">
+              <a14:hiddenEffects xmlns:a14="http://schemas.microsoft.com/office/drawing/2010/main">
+                <a:effectLst>
+                  <a:outerShdw dist="35921" dir="2700000" algn="ctr" rotWithShape="0">
+                    <a:schemeClr val="bg2"/>
+                  </a:outerShdw>
+                </a:effectLst>
+              </a14:hiddenEffects>
+            </a:ext>
+          </a:extLst>
+        </p:spPr>
+        <p:txBody>
+          <a:bodyPr vert="horz" wrap="none" lIns="0" tIns="198375" rIns="0" bIns="198375" numCol="1" anchor="ctr" anchorCtr="0" compatLnSpc="1">
+            <a:prstTxWarp prst="textNoShape">
+              <a:avLst/>
+            </a:prstTxWarp>
+            <a:spAutoFit/>
+          </a:bodyPr>
+          <a:lstStyle/>
+          <a:p>
+            <a:pPr marL="0" marR="0" lvl="0" indent="0" algn="l" defTabSz="914400" rtl="0" eaLnBrk="0" fontAlgn="base" latinLnBrk="0" hangingPunct="0">
+              <a:lnSpc>
+                <a:spcPct val="100000"/>
+              </a:lnSpc>
+              <a:spcBef>
+                <a:spcPct val="0"/>
+              </a:spcBef>
+              <a:spcAft>
+                <a:spcPct val="0"/>
+              </a:spcAft>
+              <a:buClrTx/>
+              <a:buSzTx/>
+              <a:buFontTx/>
+              <a:buNone/>
+              <a:tabLst/>
+            </a:pPr>
+            <a:r>
+              <a:rPr kumimoji="0" lang="en-US" altLang="en-US" sz="1800" b="0" i="0" u="none" strike="noStrike" cap="none" normalizeH="0" baseline="0" dirty="0">
+                <a:ln>
+                  <a:noFill/>
+                </a:ln>
+                <a:solidFill>
+                  <a:srgbClr val="374151"/>
+                </a:solidFill>
+                <a:effectLst/>
+                <a:latin typeface="Söhne"/>
+              </a:rPr>
+              <a:t>In VS Code Terminal, start the development server with the following command:</a:t>
+            </a:r>
+            <a:endParaRPr kumimoji="0" lang="en-US" altLang="en-US" sz="1600" b="0" i="0" u="none" strike="noStrike" cap="none" normalizeH="0" baseline="0" dirty="0">
+              <a:ln>
+                <a:noFill/>
+              </a:ln>
+              <a:solidFill>
+                <a:srgbClr val="374151"/>
+              </a:solidFill>
+              <a:effectLst/>
+              <a:latin typeface="Söhne Mono"/>
+            </a:endParaRPr>
+          </a:p>
+          <a:p>
+            <a:pPr marL="0" marR="0" lvl="0" indent="0" algn="l" defTabSz="914400" rtl="0" eaLnBrk="0" fontAlgn="base" latinLnBrk="0" hangingPunct="0">
+              <a:lnSpc>
+                <a:spcPct val="100000"/>
+              </a:lnSpc>
+              <a:spcBef>
+                <a:spcPct val="0"/>
+              </a:spcBef>
+              <a:spcAft>
+                <a:spcPct val="0"/>
+              </a:spcAft>
+              <a:buClrTx/>
+              <a:buSzTx/>
+              <a:buFontTx/>
+              <a:buNone/>
+              <a:tabLst/>
+            </a:pPr>
+            <a:endParaRPr kumimoji="0" lang="en-US" altLang="en-US" sz="1800" b="0" i="0" u="none" strike="noStrike" cap="none" normalizeH="0" baseline="0" dirty="0">
+              <a:ln>
+                <a:noFill/>
+              </a:ln>
+              <a:solidFill>
+                <a:srgbClr val="374151"/>
+              </a:solidFill>
+              <a:effectLst/>
+              <a:latin typeface="Söhne"/>
+            </a:endParaRPr>
+          </a:p>
+          <a:p>
+            <a:pPr marL="0" marR="0" lvl="0" indent="0" algn="l" defTabSz="914400" rtl="0" eaLnBrk="0" fontAlgn="base" latinLnBrk="0" hangingPunct="0">
+              <a:lnSpc>
+                <a:spcPct val="100000"/>
+              </a:lnSpc>
+              <a:spcBef>
+                <a:spcPct val="0"/>
+              </a:spcBef>
+              <a:spcAft>
+                <a:spcPct val="0"/>
+              </a:spcAft>
+              <a:buClrTx/>
+              <a:buSzTx/>
+              <a:buFontTx/>
+              <a:buNone/>
+              <a:tabLst/>
+            </a:pPr>
+            <a:endParaRPr lang="en-US" altLang="en-US" sz="1800" dirty="0">
+              <a:solidFill>
+                <a:srgbClr val="374151"/>
+              </a:solidFill>
+              <a:latin typeface="Söhne"/>
+            </a:endParaRPr>
+          </a:p>
+          <a:p>
+            <a:pPr marL="0" marR="0" lvl="0" indent="0" algn="l" defTabSz="914400" rtl="0" eaLnBrk="0" fontAlgn="base" latinLnBrk="0" hangingPunct="0">
+              <a:lnSpc>
+                <a:spcPct val="100000"/>
+              </a:lnSpc>
+              <a:spcBef>
+                <a:spcPct val="0"/>
+              </a:spcBef>
+              <a:spcAft>
+                <a:spcPct val="0"/>
+              </a:spcAft>
+              <a:buClrTx/>
+              <a:buSzTx/>
+              <a:buFontTx/>
+              <a:buNone/>
+              <a:tabLst/>
+            </a:pPr>
+            <a:endParaRPr kumimoji="0" lang="en-US" altLang="en-US" sz="1800" b="0" i="0" u="none" strike="noStrike" cap="none" normalizeH="0" baseline="0" dirty="0">
+              <a:ln>
+                <a:noFill/>
+              </a:ln>
+              <a:solidFill>
+                <a:srgbClr val="374151"/>
+              </a:solidFill>
+              <a:effectLst/>
+              <a:latin typeface="Söhne"/>
+            </a:endParaRPr>
+          </a:p>
+          <a:p>
+            <a:pPr marL="0" marR="0" lvl="0" indent="0" algn="l" defTabSz="914400" rtl="0" eaLnBrk="0" fontAlgn="base" latinLnBrk="0" hangingPunct="0">
+              <a:lnSpc>
+                <a:spcPct val="100000"/>
+              </a:lnSpc>
+              <a:spcBef>
+                <a:spcPct val="0"/>
+              </a:spcBef>
+              <a:spcAft>
+                <a:spcPct val="0"/>
+              </a:spcAft>
+              <a:buClrTx/>
+              <a:buSzTx/>
+              <a:buFontTx/>
+              <a:buNone/>
+              <a:tabLst/>
+            </a:pPr>
+            <a:endParaRPr kumimoji="0" lang="en-US" altLang="en-US" sz="1800" b="0" i="0" u="none" strike="noStrike" cap="none" normalizeH="0" baseline="0" dirty="0">
+              <a:ln>
+                <a:noFill/>
+              </a:ln>
+              <a:solidFill>
+                <a:srgbClr val="374151"/>
+              </a:solidFill>
+              <a:effectLst/>
+              <a:latin typeface="Söhne"/>
+            </a:endParaRPr>
+          </a:p>
+          <a:p>
+            <a:pPr marL="0" marR="0" lvl="0" indent="0" algn="l" defTabSz="914400" rtl="0" eaLnBrk="0" fontAlgn="base" latinLnBrk="0" hangingPunct="0">
+              <a:lnSpc>
+                <a:spcPct val="100000"/>
+              </a:lnSpc>
+              <a:spcBef>
+                <a:spcPct val="0"/>
+              </a:spcBef>
+              <a:spcAft>
+                <a:spcPct val="0"/>
+              </a:spcAft>
+              <a:buClrTx/>
+              <a:buSzTx/>
+              <a:buFontTx/>
+              <a:buNone/>
+              <a:tabLst/>
+            </a:pPr>
+            <a:endParaRPr lang="en-US" altLang="en-US" sz="1800" dirty="0">
+              <a:solidFill>
+                <a:srgbClr val="374151"/>
+              </a:solidFill>
+              <a:latin typeface="Söhne"/>
+            </a:endParaRPr>
+          </a:p>
+          <a:p>
+            <a:pPr marL="0" marR="0" lvl="0" indent="0" algn="l" defTabSz="914400" rtl="0" eaLnBrk="0" fontAlgn="base" latinLnBrk="0" hangingPunct="0">
+              <a:lnSpc>
+                <a:spcPct val="100000"/>
+              </a:lnSpc>
+              <a:spcBef>
+                <a:spcPct val="0"/>
+              </a:spcBef>
+              <a:spcAft>
+                <a:spcPct val="0"/>
+              </a:spcAft>
+              <a:buClrTx/>
+              <a:buSzTx/>
+              <a:buFontTx/>
+              <a:buNone/>
+              <a:tabLst/>
+            </a:pPr>
+            <a:r>
+              <a:rPr kumimoji="0" lang="en-US" altLang="en-US" sz="1800" b="0" i="0" u="none" strike="noStrike" cap="none" normalizeH="0" baseline="0" dirty="0">
+                <a:ln>
+                  <a:noFill/>
+                </a:ln>
+                <a:solidFill>
+                  <a:srgbClr val="374151"/>
+                </a:solidFill>
+                <a:effectLst/>
+                <a:latin typeface="Söhne"/>
+              </a:rPr>
+              <a:t>This will open the </a:t>
+            </a:r>
+            <a:r>
+              <a:rPr kumimoji="0" lang="en-US" altLang="en-US" sz="1800" b="0" i="0" u="none" strike="noStrike" cap="none" normalizeH="0" baseline="0" dirty="0" err="1">
+                <a:ln>
+                  <a:noFill/>
+                </a:ln>
+                <a:solidFill>
+                  <a:srgbClr val="374151"/>
+                </a:solidFill>
+                <a:effectLst/>
+                <a:latin typeface="Söhne"/>
+              </a:rPr>
+              <a:t>ToDoList</a:t>
+            </a:r>
+            <a:r>
+              <a:rPr kumimoji="0" lang="en-US" altLang="en-US" sz="1800" b="0" i="0" u="none" strike="noStrike" cap="none" normalizeH="0" baseline="0" dirty="0">
+                <a:ln>
+                  <a:noFill/>
+                </a:ln>
+                <a:solidFill>
+                  <a:srgbClr val="374151"/>
+                </a:solidFill>
+                <a:effectLst/>
+                <a:latin typeface="Söhne"/>
+              </a:rPr>
+              <a:t> app in a web browser.</a:t>
+            </a:r>
+            <a:endParaRPr kumimoji="0" lang="en-US" altLang="en-US" sz="2800" b="0" i="0" u="none" strike="noStrike" cap="none" normalizeH="0" baseline="0" dirty="0">
+              <a:ln>
+                <a:noFill/>
+              </a:ln>
+              <a:solidFill>
+                <a:schemeClr val="tx1"/>
+              </a:solidFill>
+              <a:effectLst/>
+              <a:latin typeface="Arial" panose="020B0604020202020204" pitchFamily="34" charset="0"/>
+            </a:endParaRPr>
+          </a:p>
+          <a:p>
+            <a:pPr marL="0" marR="0" lvl="0" indent="0" algn="l" defTabSz="914400" rtl="0" eaLnBrk="0" fontAlgn="base" latinLnBrk="0" hangingPunct="0">
+              <a:lnSpc>
+                <a:spcPct val="100000"/>
+              </a:lnSpc>
+              <a:spcBef>
+                <a:spcPct val="0"/>
+              </a:spcBef>
+              <a:spcAft>
+                <a:spcPct val="0"/>
+              </a:spcAft>
+              <a:buClrTx/>
+              <a:buSzTx/>
+              <a:buFontTx/>
+              <a:buNone/>
+              <a:tabLst/>
+            </a:pPr>
+            <a:endParaRPr kumimoji="0" lang="en-US" altLang="en-US" sz="1800" b="0" i="0" u="none" strike="noStrike" cap="none" normalizeH="0" baseline="0" dirty="0">
+              <a:ln>
+                <a:noFill/>
+              </a:ln>
+              <a:solidFill>
+                <a:schemeClr val="tx1"/>
+              </a:solidFill>
+              <a:effectLst/>
+              <a:latin typeface="Arial" panose="020B0604020202020204" pitchFamily="34" charset="0"/>
+            </a:endParaRPr>
+          </a:p>
+        </p:txBody>
+      </p:sp>
+      <p:pic>
+        <p:nvPicPr>
+          <p:cNvPr id="7" name="Picture 6">
+            <a:extLst>
+              <a:ext uri="{FF2B5EF4-FFF2-40B4-BE49-F238E27FC236}">
+                <a16:creationId xmlns:a16="http://schemas.microsoft.com/office/drawing/2014/main" id="{110ABF0D-7A10-1FE6-230F-C3A448E2B66F}"/>
+              </a:ext>
+            </a:extLst>
+          </p:cNvPr>
+          <p:cNvPicPr>
+            <a:picLocks noChangeAspect="1"/>
+          </p:cNvPicPr>
+          <p:nvPr/>
+        </p:nvPicPr>
+        <p:blipFill>
+          <a:blip r:embed="rId2"/>
+          <a:stretch>
+            <a:fillRect/>
+          </a:stretch>
+        </p:blipFill>
+        <p:spPr>
+          <a:xfrm>
+            <a:off x="1003244" y="3015989"/>
+            <a:ext cx="5296639" cy="590632"/>
+          </a:xfrm>
+          <a:prstGeom prst="rect">
+            <a:avLst/>
+          </a:prstGeom>
+        </p:spPr>
+      </p:pic>
+    </p:spTree>
+    <p:extLst>
+      <p:ext uri="{BB962C8B-B14F-4D97-AF65-F5344CB8AC3E}">
+        <p14:creationId xmlns:p14="http://schemas.microsoft.com/office/powerpoint/2010/main" val="52646377"/>
+      </p:ext>
+    </p:extLst>
+  </p:cSld>
+  <p:clrMapOvr>
+    <a:masterClrMapping/>
+  </p:clrMapOvr>
+</p:sld>
+</file>
+
+<file path=ppt/slides/slide18.xml><?xml version="1.0" encoding="utf-8"?>
+<p:sld xmlns:a="http://schemas.openxmlformats.org/drawingml/2006/main" xmlns:r="http://schemas.openxmlformats.org/officeDocument/2006/relationships" xmlns:p="http://schemas.openxmlformats.org/presentationml/2006/main">
+  <p:cSld>
+    <p:spTree>
+      <p:nvGrpSpPr>
+        <p:cNvPr id="1" name=""/>
+        <p:cNvGrpSpPr/>
+        <p:nvPr/>
+      </p:nvGrpSpPr>
+      <p:grpSpPr>
+        <a:xfrm>
+          <a:off x="0" y="0"/>
+          <a:ext cx="0" cy="0"/>
+          <a:chOff x="0" y="0"/>
+          <a:chExt cx="0" cy="0"/>
+        </a:xfrm>
+      </p:grpSpPr>
+      <p:sp>
+        <p:nvSpPr>
+          <p:cNvPr id="2" name="Title 1">
+            <a:extLst>
+              <a:ext uri="{FF2B5EF4-FFF2-40B4-BE49-F238E27FC236}">
+                <a16:creationId xmlns:a16="http://schemas.microsoft.com/office/drawing/2014/main" id="{D7FD34B7-84EE-C09C-8DC0-4C3D53CFC0B8}"/>
+              </a:ext>
+            </a:extLst>
+          </p:cNvPr>
+          <p:cNvSpPr>
+            <a:spLocks noGrp="1"/>
+          </p:cNvSpPr>
+          <p:nvPr>
+            <p:ph type="title"/>
+          </p:nvPr>
+        </p:nvSpPr>
+        <p:spPr/>
+        <p:txBody>
+          <a:bodyPr/>
+          <a:lstStyle/>
+          <a:p>
+            <a:r>
+              <a:rPr lang="en-IN" b="1" i="0" dirty="0">
+                <a:effectLst/>
+                <a:latin typeface="Söhne"/>
+              </a:rPr>
+              <a:t>Test Functionality</a:t>
+            </a:r>
+            <a:endParaRPr lang="en-IN" dirty="0"/>
+          </a:p>
+        </p:txBody>
+      </p:sp>
+      <p:sp>
+        <p:nvSpPr>
+          <p:cNvPr id="4" name="Rectangle 1">
+            <a:extLst>
+              <a:ext uri="{FF2B5EF4-FFF2-40B4-BE49-F238E27FC236}">
+                <a16:creationId xmlns:a16="http://schemas.microsoft.com/office/drawing/2014/main" id="{FD73EA9C-0982-C7F2-0EFA-BCC8D63A1BCA}"/>
+              </a:ext>
+            </a:extLst>
+          </p:cNvPr>
+          <p:cNvSpPr>
+            <a:spLocks noGrp="1" noChangeArrowheads="1"/>
+          </p:cNvSpPr>
+          <p:nvPr>
+            <p:ph idx="1"/>
+          </p:nvPr>
+        </p:nvSpPr>
+        <p:spPr bwMode="auto">
+          <a:xfrm>
+            <a:off x="1097280" y="1979720"/>
+            <a:ext cx="7684581" cy="3755389"/>
+          </a:xfrm>
+          <a:prstGeom prst="rect">
+            <a:avLst/>
+          </a:prstGeom>
+          <a:solidFill>
+            <a:srgbClr val="F7F7F8"/>
+          </a:solidFill>
+          <a:ln>
+            <a:noFill/>
+          </a:ln>
+          <a:effectLst/>
+          <a:extLst>
+            <a:ext uri="{91240B29-F687-4F45-9708-019B960494DF}">
+              <a14:hiddenLine xmlns:a14="http://schemas.microsoft.com/office/drawing/2010/main" w="9525">
+                <a:solidFill>
+                  <a:schemeClr val="tx1"/>
+                </a:solidFill>
+                <a:miter lim="800000"/>
+                <a:headEnd/>
+                <a:tailEnd/>
+              </a14:hiddenLine>
+            </a:ext>
+            <a:ext uri="{AF507438-7753-43E0-B8FC-AC1667EBCBE1}">
+              <a14:hiddenEffects xmlns:a14="http://schemas.microsoft.com/office/drawing/2010/main">
+                <a:effectLst>
+                  <a:outerShdw dist="35921" dir="2700000" algn="ctr" rotWithShape="0">
+                    <a:schemeClr val="bg2"/>
+                  </a:outerShdw>
+                </a:effectLst>
+              </a14:hiddenEffects>
+            </a:ext>
+          </a:extLst>
+        </p:spPr>
+        <p:txBody>
+          <a:bodyPr vert="horz" wrap="square" lIns="0" tIns="198375" rIns="0" bIns="198375" numCol="1" anchor="ctr" anchorCtr="0" compatLnSpc="1">
+            <a:prstTxWarp prst="textNoShape">
+              <a:avLst/>
+            </a:prstTxWarp>
+            <a:spAutoFit/>
+          </a:bodyPr>
+          <a:lstStyle>
+            <a:lvl1pPr eaLnBrk="0" fontAlgn="base" hangingPunct="0">
+              <a:spcBef>
+                <a:spcPct val="0"/>
+              </a:spcBef>
+              <a:spcAft>
+                <a:spcPct val="0"/>
+              </a:spcAft>
+              <a:defRPr>
+                <a:solidFill>
+                  <a:schemeClr val="tx1"/>
+                </a:solidFill>
+                <a:latin typeface="Arial" panose="020B0604020202020204" pitchFamily="34" charset="0"/>
+              </a:defRPr>
+            </a:lvl1pPr>
+            <a:lvl2pPr eaLnBrk="0" fontAlgn="base" hangingPunct="0">
+              <a:spcBef>
+                <a:spcPct val="0"/>
+              </a:spcBef>
+              <a:spcAft>
+                <a:spcPct val="0"/>
+              </a:spcAft>
+              <a:defRPr>
+                <a:solidFill>
+                  <a:schemeClr val="tx1"/>
+                </a:solidFill>
+                <a:latin typeface="Arial" panose="020B0604020202020204" pitchFamily="34" charset="0"/>
+              </a:defRPr>
+            </a:lvl2pPr>
+            <a:lvl3pPr eaLnBrk="0" fontAlgn="base" hangingPunct="0">
+              <a:spcBef>
+                <a:spcPct val="0"/>
+              </a:spcBef>
+              <a:spcAft>
+                <a:spcPct val="0"/>
+              </a:spcAft>
+              <a:defRPr>
+                <a:solidFill>
+                  <a:schemeClr val="tx1"/>
+                </a:solidFill>
+                <a:latin typeface="Arial" panose="020B0604020202020204" pitchFamily="34" charset="0"/>
+              </a:defRPr>
+            </a:lvl3pPr>
+            <a:lvl4pPr eaLnBrk="0" fontAlgn="base" hangingPunct="0">
+              <a:spcBef>
+                <a:spcPct val="0"/>
+              </a:spcBef>
+              <a:spcAft>
+                <a:spcPct val="0"/>
+              </a:spcAft>
+              <a:defRPr>
+                <a:solidFill>
+                  <a:schemeClr val="tx1"/>
+                </a:solidFill>
+                <a:latin typeface="Arial" panose="020B0604020202020204" pitchFamily="34" charset="0"/>
+              </a:defRPr>
+            </a:lvl4pPr>
+            <a:lvl5pPr eaLnBrk="0" fontAlgn="base" hangingPunct="0">
+              <a:spcBef>
+                <a:spcPct val="0"/>
+              </a:spcBef>
+              <a:spcAft>
+                <a:spcPct val="0"/>
+              </a:spcAft>
+              <a:defRPr>
+                <a:solidFill>
+                  <a:schemeClr val="tx1"/>
+                </a:solidFill>
+                <a:latin typeface="Arial" panose="020B0604020202020204" pitchFamily="34" charset="0"/>
+              </a:defRPr>
+            </a:lvl5pPr>
+            <a:lvl6pPr eaLnBrk="0" fontAlgn="base" hangingPunct="0">
+              <a:spcBef>
+                <a:spcPct val="0"/>
+              </a:spcBef>
+              <a:spcAft>
+                <a:spcPct val="0"/>
+              </a:spcAft>
+              <a:defRPr>
+                <a:solidFill>
+                  <a:schemeClr val="tx1"/>
+                </a:solidFill>
+                <a:latin typeface="Arial" panose="020B0604020202020204" pitchFamily="34" charset="0"/>
+              </a:defRPr>
+            </a:lvl6pPr>
+            <a:lvl7pPr eaLnBrk="0" fontAlgn="base" hangingPunct="0">
+              <a:spcBef>
+                <a:spcPct val="0"/>
+              </a:spcBef>
+              <a:spcAft>
+                <a:spcPct val="0"/>
+              </a:spcAft>
+              <a:defRPr>
+                <a:solidFill>
+                  <a:schemeClr val="tx1"/>
+                </a:solidFill>
+                <a:latin typeface="Arial" panose="020B0604020202020204" pitchFamily="34" charset="0"/>
+              </a:defRPr>
+            </a:lvl7pPr>
+            <a:lvl8pPr eaLnBrk="0" fontAlgn="base" hangingPunct="0">
+              <a:spcBef>
+                <a:spcPct val="0"/>
+              </a:spcBef>
+              <a:spcAft>
+                <a:spcPct val="0"/>
+              </a:spcAft>
+              <a:defRPr>
+                <a:solidFill>
+                  <a:schemeClr val="tx1"/>
+                </a:solidFill>
+                <a:latin typeface="Arial" panose="020B0604020202020204" pitchFamily="34" charset="0"/>
+              </a:defRPr>
+            </a:lvl8pPr>
+            <a:lvl9pPr eaLnBrk="0" fontAlgn="base" hangingPunct="0">
+              <a:spcBef>
+                <a:spcPct val="0"/>
+              </a:spcBef>
+              <a:spcAft>
+                <a:spcPct val="0"/>
+              </a:spcAft>
+              <a:defRPr>
+                <a:solidFill>
+                  <a:schemeClr val="tx1"/>
+                </a:solidFill>
+                <a:latin typeface="Arial" panose="020B0604020202020204" pitchFamily="34" charset="0"/>
+              </a:defRPr>
+            </a:lvl9pPr>
+          </a:lstStyle>
+          <a:p>
+            <a:pPr marL="0" marR="0" lvl="0" indent="0" algn="l" defTabSz="914400" rtl="0" eaLnBrk="0" fontAlgn="base" latinLnBrk="0" hangingPunct="0">
+              <a:lnSpc>
+                <a:spcPct val="100000"/>
+              </a:lnSpc>
+              <a:spcBef>
+                <a:spcPct val="0"/>
+              </a:spcBef>
+              <a:spcAft>
+                <a:spcPct val="0"/>
+              </a:spcAft>
+              <a:buClrTx/>
+              <a:buSzTx/>
+              <a:buFontTx/>
+              <a:buNone/>
+              <a:tabLst/>
+            </a:pPr>
+            <a:endParaRPr kumimoji="0" lang="en-US" altLang="en-US" sz="1800" b="0" i="0" u="none" strike="noStrike" cap="none" normalizeH="0" baseline="0" dirty="0">
+              <a:ln>
+                <a:noFill/>
+              </a:ln>
+              <a:solidFill>
+                <a:schemeClr val="tx1"/>
+              </a:solidFill>
+              <a:effectLst/>
+              <a:latin typeface="Arial" panose="020B0604020202020204" pitchFamily="34" charset="0"/>
+            </a:endParaRPr>
+          </a:p>
+          <a:p>
+            <a:pPr marL="0" marR="0" lvl="0" indent="0" algn="l" defTabSz="914400" rtl="0" eaLnBrk="0" fontAlgn="base" latinLnBrk="0" hangingPunct="0">
+              <a:lnSpc>
+                <a:spcPct val="100000"/>
+              </a:lnSpc>
+              <a:spcBef>
+                <a:spcPct val="0"/>
+              </a:spcBef>
+              <a:spcAft>
+                <a:spcPct val="0"/>
+              </a:spcAft>
+              <a:buClrTx/>
+              <a:buSzTx/>
+              <a:buFontTx/>
+              <a:buChar char="•"/>
+              <a:tabLst/>
+            </a:pPr>
+            <a:r>
+              <a:rPr kumimoji="0" lang="en-US" altLang="en-US" sz="1200" b="0" i="0" u="none" strike="noStrike" cap="none" normalizeH="0" baseline="0" dirty="0">
+                <a:ln>
+                  <a:noFill/>
+                </a:ln>
+                <a:solidFill>
+                  <a:srgbClr val="374151"/>
+                </a:solidFill>
+                <a:effectLst/>
+                <a:latin typeface="Söhne"/>
+              </a:rPr>
+              <a:t>Check for the expected functionality in the browser.</a:t>
+            </a:r>
+          </a:p>
+          <a:p>
+            <a:pPr marL="0" marR="0" lvl="0" indent="0" algn="l" defTabSz="914400" rtl="0" eaLnBrk="0" fontAlgn="base" latinLnBrk="0" hangingPunct="0">
+              <a:lnSpc>
+                <a:spcPct val="100000"/>
+              </a:lnSpc>
+              <a:spcBef>
+                <a:spcPct val="0"/>
+              </a:spcBef>
+              <a:spcAft>
+                <a:spcPct val="0"/>
+              </a:spcAft>
+              <a:buClrTx/>
+              <a:buSzTx/>
+              <a:buFontTx/>
+              <a:buChar char="•"/>
+              <a:tabLst/>
+            </a:pPr>
+            <a:endParaRPr lang="en-US" altLang="en-US" sz="1200" dirty="0">
+              <a:solidFill>
+                <a:srgbClr val="374151"/>
+              </a:solidFill>
+              <a:latin typeface="Söhne"/>
+            </a:endParaRPr>
+          </a:p>
+          <a:p>
+            <a:pPr marL="0" marR="0" lvl="0" indent="0" algn="l" defTabSz="914400" rtl="0" eaLnBrk="0" fontAlgn="base" latinLnBrk="0" hangingPunct="0">
+              <a:lnSpc>
+                <a:spcPct val="100000"/>
+              </a:lnSpc>
+              <a:spcBef>
+                <a:spcPct val="0"/>
+              </a:spcBef>
+              <a:spcAft>
+                <a:spcPct val="0"/>
+              </a:spcAft>
+              <a:buClrTx/>
+              <a:buSzTx/>
+              <a:buFontTx/>
+              <a:buChar char="•"/>
+              <a:tabLst/>
+            </a:pPr>
+            <a:endParaRPr kumimoji="0" lang="en-US" altLang="en-US" sz="1200" b="0" i="0" u="none" strike="noStrike" cap="none" normalizeH="0" baseline="0" dirty="0">
+              <a:ln>
+                <a:noFill/>
+              </a:ln>
+              <a:solidFill>
+                <a:srgbClr val="374151"/>
+              </a:solidFill>
+              <a:effectLst/>
+              <a:latin typeface="Söhne"/>
+            </a:endParaRPr>
+          </a:p>
+          <a:p>
+            <a:pPr marL="0" marR="0" lvl="0" indent="0" algn="l" defTabSz="914400" rtl="0" eaLnBrk="0" fontAlgn="base" latinLnBrk="0" hangingPunct="0">
+              <a:lnSpc>
+                <a:spcPct val="100000"/>
+              </a:lnSpc>
+              <a:spcBef>
+                <a:spcPct val="0"/>
+              </a:spcBef>
+              <a:spcAft>
+                <a:spcPct val="0"/>
+              </a:spcAft>
+              <a:buClrTx/>
+              <a:buSzTx/>
+              <a:buFontTx/>
+              <a:buChar char="•"/>
+              <a:tabLst/>
+            </a:pPr>
+            <a:endParaRPr lang="en-US" altLang="en-US" sz="1200" dirty="0">
+              <a:solidFill>
+                <a:srgbClr val="374151"/>
+              </a:solidFill>
+              <a:latin typeface="Söhne"/>
+            </a:endParaRPr>
+          </a:p>
+          <a:p>
+            <a:pPr marL="0" marR="0" lvl="0" indent="0" algn="l" defTabSz="914400" rtl="0" eaLnBrk="0" fontAlgn="base" latinLnBrk="0" hangingPunct="0">
+              <a:lnSpc>
+                <a:spcPct val="100000"/>
+              </a:lnSpc>
+              <a:spcBef>
+                <a:spcPct val="0"/>
+              </a:spcBef>
+              <a:spcAft>
+                <a:spcPct val="0"/>
+              </a:spcAft>
+              <a:buClrTx/>
+              <a:buSzTx/>
+              <a:buFontTx/>
+              <a:buChar char="•"/>
+              <a:tabLst/>
+            </a:pPr>
+            <a:endParaRPr kumimoji="0" lang="en-US" altLang="en-US" sz="1200" b="0" i="0" u="none" strike="noStrike" cap="none" normalizeH="0" baseline="0" dirty="0">
+              <a:ln>
+                <a:noFill/>
+              </a:ln>
+              <a:solidFill>
+                <a:srgbClr val="374151"/>
+              </a:solidFill>
+              <a:effectLst/>
+              <a:latin typeface="Söhne"/>
+            </a:endParaRPr>
+          </a:p>
+          <a:p>
+            <a:pPr marL="0" marR="0" lvl="0" indent="0" algn="l" defTabSz="914400" rtl="0" eaLnBrk="0" fontAlgn="base" latinLnBrk="0" hangingPunct="0">
+              <a:lnSpc>
+                <a:spcPct val="100000"/>
+              </a:lnSpc>
+              <a:spcBef>
+                <a:spcPct val="0"/>
+              </a:spcBef>
+              <a:spcAft>
+                <a:spcPct val="0"/>
+              </a:spcAft>
+              <a:buClrTx/>
+              <a:buSzTx/>
+              <a:buFontTx/>
+              <a:buChar char="•"/>
+              <a:tabLst/>
+            </a:pPr>
+            <a:endParaRPr lang="en-US" altLang="en-US" sz="1200" dirty="0">
+              <a:solidFill>
+                <a:srgbClr val="374151"/>
+              </a:solidFill>
+              <a:latin typeface="Söhne"/>
+            </a:endParaRPr>
+          </a:p>
+          <a:p>
+            <a:pPr marL="0" marR="0" lvl="0" indent="0" algn="l" defTabSz="914400" rtl="0" eaLnBrk="0" fontAlgn="base" latinLnBrk="0" hangingPunct="0">
+              <a:lnSpc>
+                <a:spcPct val="100000"/>
+              </a:lnSpc>
+              <a:spcBef>
+                <a:spcPct val="0"/>
+              </a:spcBef>
+              <a:spcAft>
+                <a:spcPct val="0"/>
+              </a:spcAft>
+              <a:buClrTx/>
+              <a:buSzTx/>
+              <a:buFontTx/>
+              <a:buChar char="•"/>
+              <a:tabLst/>
+            </a:pPr>
+            <a:endParaRPr kumimoji="0" lang="en-US" altLang="en-US" sz="1200" b="0" i="0" u="none" strike="noStrike" cap="none" normalizeH="0" baseline="0" dirty="0">
+              <a:ln>
+                <a:noFill/>
+              </a:ln>
+              <a:solidFill>
+                <a:srgbClr val="374151"/>
+              </a:solidFill>
+              <a:effectLst/>
+              <a:latin typeface="Söhne"/>
+            </a:endParaRPr>
+          </a:p>
+          <a:p>
+            <a:pPr marL="0" marR="0" lvl="0" indent="0" algn="l" defTabSz="914400" rtl="0" eaLnBrk="0" fontAlgn="base" latinLnBrk="0" hangingPunct="0">
+              <a:lnSpc>
+                <a:spcPct val="100000"/>
+              </a:lnSpc>
+              <a:spcBef>
+                <a:spcPct val="0"/>
+              </a:spcBef>
+              <a:spcAft>
+                <a:spcPct val="0"/>
+              </a:spcAft>
+              <a:buClrTx/>
+              <a:buSzTx/>
+              <a:buFontTx/>
+              <a:buChar char="•"/>
+              <a:tabLst/>
+            </a:pPr>
+            <a:endParaRPr lang="en-US" altLang="en-US" sz="1200" dirty="0">
+              <a:solidFill>
+                <a:srgbClr val="374151"/>
+              </a:solidFill>
+              <a:latin typeface="Söhne"/>
+            </a:endParaRPr>
+          </a:p>
+          <a:p>
+            <a:pPr marL="0" marR="0" lvl="0" indent="0" algn="l" defTabSz="914400" rtl="0" eaLnBrk="0" fontAlgn="base" latinLnBrk="0" hangingPunct="0">
+              <a:lnSpc>
+                <a:spcPct val="100000"/>
+              </a:lnSpc>
+              <a:spcBef>
+                <a:spcPct val="0"/>
+              </a:spcBef>
+              <a:spcAft>
+                <a:spcPct val="0"/>
+              </a:spcAft>
+              <a:buClrTx/>
+              <a:buSzTx/>
+              <a:buFontTx/>
+              <a:buChar char="•"/>
+              <a:tabLst/>
+            </a:pPr>
+            <a:endParaRPr kumimoji="0" lang="en-US" altLang="en-US" sz="1200" b="0" i="0" u="none" strike="noStrike" cap="none" normalizeH="0" baseline="0" dirty="0">
+              <a:ln>
+                <a:noFill/>
+              </a:ln>
+              <a:solidFill>
+                <a:srgbClr val="374151"/>
+              </a:solidFill>
+              <a:effectLst/>
+              <a:latin typeface="Söhne"/>
+            </a:endParaRPr>
+          </a:p>
+          <a:p>
+            <a:pPr marL="0" marR="0" lvl="0" indent="0" algn="l" defTabSz="914400" rtl="0" eaLnBrk="0" fontAlgn="base" latinLnBrk="0" hangingPunct="0">
+              <a:lnSpc>
+                <a:spcPct val="100000"/>
+              </a:lnSpc>
+              <a:spcBef>
+                <a:spcPct val="0"/>
+              </a:spcBef>
+              <a:spcAft>
+                <a:spcPct val="0"/>
+              </a:spcAft>
+              <a:buClrTx/>
+              <a:buSzTx/>
+              <a:buFontTx/>
+              <a:buChar char="•"/>
+              <a:tabLst/>
+            </a:pPr>
+            <a:endParaRPr kumimoji="0" lang="en-US" altLang="en-US" sz="1200" b="0" i="0" u="none" strike="noStrike" cap="none" normalizeH="0" baseline="0" dirty="0">
+              <a:ln>
+                <a:noFill/>
+              </a:ln>
+              <a:solidFill>
+                <a:srgbClr val="374151"/>
+              </a:solidFill>
+              <a:effectLst/>
+              <a:latin typeface="Söhne"/>
+            </a:endParaRPr>
+          </a:p>
+          <a:p>
+            <a:pPr marL="0" marR="0" lvl="0" indent="0" algn="l" defTabSz="914400" rtl="0" eaLnBrk="0" fontAlgn="base" latinLnBrk="0" hangingPunct="0">
+              <a:lnSpc>
+                <a:spcPct val="100000"/>
+              </a:lnSpc>
+              <a:spcBef>
+                <a:spcPct val="0"/>
+              </a:spcBef>
+              <a:spcAft>
+                <a:spcPct val="0"/>
+              </a:spcAft>
+              <a:buClrTx/>
+              <a:buSzTx/>
+              <a:buFontTx/>
+              <a:buNone/>
+              <a:tabLst/>
+            </a:pPr>
+            <a:endParaRPr kumimoji="0" lang="en-US" altLang="en-US" sz="1200" b="0" i="0" u="none" strike="noStrike" cap="none" normalizeH="0" baseline="0" dirty="0">
+              <a:ln>
+                <a:noFill/>
+              </a:ln>
+              <a:solidFill>
+                <a:srgbClr val="374151"/>
+              </a:solidFill>
+              <a:effectLst/>
+              <a:latin typeface="Söhne"/>
+            </a:endParaRPr>
+          </a:p>
+          <a:p>
+            <a:pPr marL="0" marR="0" lvl="0" indent="0" algn="l" defTabSz="914400" rtl="0" eaLnBrk="0" fontAlgn="base" latinLnBrk="0" hangingPunct="0">
+              <a:lnSpc>
+                <a:spcPct val="100000"/>
+              </a:lnSpc>
+              <a:spcBef>
+                <a:spcPct val="0"/>
+              </a:spcBef>
+              <a:spcAft>
+                <a:spcPct val="0"/>
+              </a:spcAft>
+              <a:buClrTx/>
+              <a:buSzTx/>
+              <a:buFontTx/>
+              <a:buNone/>
+              <a:tabLst/>
+            </a:pPr>
+            <a:endParaRPr lang="en-US" altLang="en-US" sz="1200" dirty="0">
+              <a:solidFill>
+                <a:srgbClr val="374151"/>
+              </a:solidFill>
+              <a:latin typeface="Söhne"/>
+            </a:endParaRPr>
+          </a:p>
+          <a:p>
+            <a:pPr marL="0" marR="0" lvl="0" indent="0" algn="l" defTabSz="914400" rtl="0" eaLnBrk="0" fontAlgn="base" latinLnBrk="0" hangingPunct="0">
+              <a:lnSpc>
+                <a:spcPct val="100000"/>
+              </a:lnSpc>
+              <a:spcBef>
+                <a:spcPct val="0"/>
+              </a:spcBef>
+              <a:spcAft>
+                <a:spcPct val="0"/>
+              </a:spcAft>
+              <a:buClrTx/>
+              <a:buSzTx/>
+              <a:buFontTx/>
+              <a:buNone/>
+              <a:tabLst/>
+            </a:pPr>
+            <a:r>
+              <a:rPr kumimoji="0" lang="en-US" altLang="en-US" sz="1200" b="0" i="0" u="none" strike="noStrike" cap="none" normalizeH="0" baseline="0" dirty="0">
+                <a:ln>
+                  <a:noFill/>
+                </a:ln>
+                <a:solidFill>
+                  <a:srgbClr val="374151"/>
+                </a:solidFill>
+                <a:effectLst/>
+                <a:latin typeface="Söhne"/>
+              </a:rPr>
+              <a:t>To exit the terminal and stop the development server, press </a:t>
+            </a:r>
+            <a:r>
+              <a:rPr kumimoji="0" lang="en-US" altLang="en-US" b="1" i="0" u="none" strike="noStrike" cap="none" normalizeH="0" baseline="0" dirty="0" err="1">
+                <a:ln>
+                  <a:noFill/>
+                </a:ln>
+                <a:solidFill>
+                  <a:srgbClr val="374151"/>
+                </a:solidFill>
+                <a:effectLst/>
+                <a:latin typeface="Söhne Mono"/>
+              </a:rPr>
+              <a:t>Ctrl+C</a:t>
+            </a:r>
+            <a:r>
+              <a:rPr kumimoji="0" lang="en-US" altLang="en-US" sz="1200" b="0" i="0" u="none" strike="noStrike" cap="none" normalizeH="0" baseline="0" dirty="0">
+                <a:ln>
+                  <a:noFill/>
+                </a:ln>
+                <a:solidFill>
+                  <a:srgbClr val="374151"/>
+                </a:solidFill>
+                <a:effectLst/>
+                <a:latin typeface="Söhne"/>
+              </a:rPr>
+              <a:t>.</a:t>
+            </a:r>
+            <a:endParaRPr kumimoji="0" lang="en-US" altLang="en-US" sz="800" b="0" i="0" u="none" strike="noStrike" cap="none" normalizeH="0" baseline="0" dirty="0">
+              <a:ln>
+                <a:noFill/>
+              </a:ln>
+              <a:solidFill>
+                <a:schemeClr val="tx1"/>
+              </a:solidFill>
+              <a:effectLst/>
+            </a:endParaRPr>
+          </a:p>
+          <a:p>
+            <a:pPr marL="0" marR="0" lvl="0" indent="0" algn="l" defTabSz="914400" rtl="0" eaLnBrk="0" fontAlgn="base" latinLnBrk="0" hangingPunct="0">
+              <a:lnSpc>
+                <a:spcPct val="100000"/>
+              </a:lnSpc>
+              <a:spcBef>
+                <a:spcPct val="0"/>
+              </a:spcBef>
+              <a:spcAft>
+                <a:spcPct val="0"/>
+              </a:spcAft>
+              <a:buClrTx/>
+              <a:buSzTx/>
+              <a:buFontTx/>
+              <a:buNone/>
+              <a:tabLst/>
+            </a:pPr>
+            <a:br>
+              <a:rPr kumimoji="0" lang="en-US" altLang="en-US" sz="1800" b="0" i="0" u="none" strike="noStrike" cap="none" normalizeH="0" baseline="0" dirty="0">
+                <a:ln>
+                  <a:noFill/>
+                </a:ln>
+                <a:solidFill>
+                  <a:schemeClr val="tx1"/>
+                </a:solidFill>
+                <a:effectLst/>
+                <a:latin typeface="Arial" panose="020B0604020202020204" pitchFamily="34" charset="0"/>
+              </a:rPr>
+            </a:br>
+            <a:endParaRPr kumimoji="0" lang="en-US" altLang="en-US" sz="1800" b="0" i="0" u="none" strike="noStrike" cap="none" normalizeH="0" baseline="0" dirty="0">
+              <a:ln>
+                <a:noFill/>
+              </a:ln>
+              <a:solidFill>
+                <a:schemeClr val="tx1"/>
+              </a:solidFill>
+              <a:effectLst/>
+              <a:latin typeface="Arial" panose="020B0604020202020204" pitchFamily="34" charset="0"/>
+            </a:endParaRPr>
+          </a:p>
+        </p:txBody>
+      </p:sp>
+      <p:pic>
+        <p:nvPicPr>
+          <p:cNvPr id="6" name="Picture 5">
+            <a:extLst>
+              <a:ext uri="{FF2B5EF4-FFF2-40B4-BE49-F238E27FC236}">
+                <a16:creationId xmlns:a16="http://schemas.microsoft.com/office/drawing/2014/main" id="{6F168E9E-439C-6FE0-7E96-48D08845996D}"/>
+              </a:ext>
+            </a:extLst>
+          </p:cNvPr>
+          <p:cNvPicPr>
+            <a:picLocks noChangeAspect="1"/>
+          </p:cNvPicPr>
+          <p:nvPr/>
+        </p:nvPicPr>
+        <p:blipFill>
+          <a:blip r:embed="rId2"/>
+          <a:stretch>
+            <a:fillRect/>
+          </a:stretch>
+        </p:blipFill>
+        <p:spPr>
+          <a:xfrm>
+            <a:off x="1097280" y="2898648"/>
+            <a:ext cx="6098386" cy="1645171"/>
+          </a:xfrm>
+          <a:prstGeom prst="rect">
+            <a:avLst/>
+          </a:prstGeom>
+        </p:spPr>
+      </p:pic>
+    </p:spTree>
+    <p:extLst>
+      <p:ext uri="{BB962C8B-B14F-4D97-AF65-F5344CB8AC3E}">
+        <p14:creationId xmlns:p14="http://schemas.microsoft.com/office/powerpoint/2010/main" val="3855830976"/>
+      </p:ext>
+    </p:extLst>
+  </p:cSld>
+  <p:clrMapOvr>
+    <a:masterClrMapping/>
+  </p:clrMapOvr>
+</p:sld>
+</file>
+
+<file path=ppt/slides/slide19.xml><?xml version="1.0" encoding="utf-8"?>
+<p:sld xmlns:a="http://schemas.openxmlformats.org/drawingml/2006/main" xmlns:r="http://schemas.openxmlformats.org/officeDocument/2006/relationships" xmlns:p="http://schemas.openxmlformats.org/presentationml/2006/main">
+  <p:cSld>
+    <p:bg>
+      <p:bgPr>
         <a:solidFill>
           <a:schemeClr val="bg1"/>
         </a:solidFill>
